--- a/Angular with Java ver.0.1.pptx
+++ b/Angular with Java ver.0.1.pptx
@@ -5,35 +5,36 @@
     <p:sldMasterId id="2147483931" r:id="rId1"/>
   </p:sldMasterIdLst>
   <p:notesMasterIdLst>
-    <p:notesMasterId r:id="rId5"/>
+    <p:notesMasterId r:id="rId6"/>
   </p:notesMasterIdLst>
   <p:handoutMasterIdLst>
-    <p:handoutMasterId r:id="rId6"/>
+    <p:handoutMasterId r:id="rId7"/>
   </p:handoutMasterIdLst>
   <p:sldIdLst>
     <p:sldId id="345" r:id="rId2"/>
     <p:sldId id="374" r:id="rId3"/>
-    <p:sldId id="370" r:id="rId4"/>
+    <p:sldId id="375" r:id="rId4"/>
+    <p:sldId id="378" r:id="rId5"/>
   </p:sldIdLst>
   <p:sldSz cx="9144000" cy="6858000" type="screen4x3"/>
   <p:notesSz cx="6797675" cy="9926638"/>
   <p:embeddedFontLst>
     <p:embeddedFont>
       <p:font typeface="HY수평선B" panose="020B0600000101010101" charset="-127"/>
-      <p:regular r:id="rId7"/>
+      <p:regular r:id="rId8"/>
     </p:embeddedFont>
     <p:embeddedFont>
       <p:font typeface="HY수평선M" panose="020B0600000101010101" charset="-127"/>
-      <p:regular r:id="rId8"/>
+      <p:regular r:id="rId9"/>
     </p:embeddedFont>
     <p:embeddedFont>
       <p:font typeface="HY헤드라인M" panose="02030600000101010101" pitchFamily="18" charset="-127"/>
-      <p:regular r:id="rId9"/>
+      <p:regular r:id="rId10"/>
     </p:embeddedFont>
     <p:embeddedFont>
       <p:font typeface="맑은 고딕" panose="020B0503020000020004" pitchFamily="50" charset="-127"/>
-      <p:regular r:id="rId10"/>
-      <p:bold r:id="rId11"/>
+      <p:regular r:id="rId11"/>
+      <p:bold r:id="rId12"/>
     </p:embeddedFont>
   </p:embeddedFontLst>
   <p:defaultTextStyle>
@@ -199,22 +200,22 @@
   <p:extLst>
     <p:ext uri="{EFAFB233-063F-42B5-8137-9DF3F51BA10A}">
       <p15:sldGuideLst xmlns:p15="http://schemas.microsoft.com/office/powerpoint/2012/main">
-        <p15:guide id="1" orient="horz" pos="3974">
+        <p15:guide id="1" orient="horz" pos="3884" userDrawn="1">
           <p15:clr>
             <a:srgbClr val="A4A3A4"/>
           </p15:clr>
         </p15:guide>
-        <p15:guide id="2" orient="horz" pos="255">
+        <p15:guide id="2" orient="horz" pos="663" userDrawn="1">
           <p15:clr>
             <a:srgbClr val="A4A3A4"/>
           </p15:clr>
         </p15:guide>
-        <p15:guide id="3" pos="158">
+        <p15:guide id="3" pos="249" userDrawn="1">
           <p15:clr>
             <a:srgbClr val="A4A3A4"/>
           </p15:clr>
         </p15:guide>
-        <p15:guide id="4" pos="5602">
+        <p15:guide id="4" pos="5511" userDrawn="1">
           <p15:clr>
             <a:srgbClr val="A4A3A4"/>
           </p15:clr>
@@ -1672,7 +1673,7 @@
           <a:p>
             <a:fld id="{09E0C3DF-F587-4C04-84DB-C0AADC6DE1C1}" type="datetime1">
               <a:rPr lang="ko-KR" altLang="en-US" smtClean="0"/>
-              <a:t>2020-03-12</a:t>
+              <a:t>2020-03-16</a:t>
             </a:fld>
             <a:endParaRPr lang="ko-KR" altLang="en-US"/>
           </a:p>
@@ -3913,492 +3914,6 @@
       </p:grpSpPr>
       <p:sp>
         <p:nvSpPr>
-          <p:cNvPr id="5274" name="AutoShape 154"/>
-          <p:cNvSpPr>
-            <a:spLocks noChangeArrowheads="1"/>
-          </p:cNvSpPr>
-          <p:nvPr/>
-        </p:nvSpPr>
-        <p:spPr bwMode="auto">
-          <a:xfrm>
-            <a:off x="395536" y="1052736"/>
-            <a:ext cx="2013052" cy="360000"/>
-          </a:xfrm>
-          <a:prstGeom prst="roundRect">
-            <a:avLst>
-              <a:gd name="adj" fmla="val 15806"/>
-            </a:avLst>
-          </a:prstGeom>
-          <a:solidFill>
-            <a:schemeClr val="bg2"/>
-          </a:solidFill>
-          <a:ln w="12699">
-            <a:solidFill>
-              <a:schemeClr val="tx1"/>
-            </a:solidFill>
-            <a:round/>
-            <a:headEnd/>
-            <a:tailEnd/>
-          </a:ln>
-          <a:effectLst>
-            <a:outerShdw dist="35921" dir="2700000" algn="ctr" rotWithShape="0">
-              <a:schemeClr val="tx1"/>
-            </a:outerShdw>
-          </a:effectLst>
-        </p:spPr>
-        <p:txBody>
-          <a:bodyPr wrap="none" lIns="92075" tIns="46038" rIns="92075" bIns="46038" anchor="ctr"/>
-          <a:lstStyle>
-            <a:lvl1pPr algn="l" defTabSz="762000" latinLnBrk="1">
-              <a:defRPr kumimoji="1" sz="2400">
-                <a:solidFill>
-                  <a:schemeClr val="tx1"/>
-                </a:solidFill>
-                <a:latin typeface="굴림" charset="-127"/>
-                <a:ea typeface="굴림" charset="-127"/>
-              </a:defRPr>
-            </a:lvl1pPr>
-            <a:lvl2pPr marL="571500" algn="l" defTabSz="762000" latinLnBrk="1">
-              <a:defRPr kumimoji="1" sz="2400">
-                <a:solidFill>
-                  <a:schemeClr val="tx1"/>
-                </a:solidFill>
-                <a:latin typeface="굴림" charset="-127"/>
-                <a:ea typeface="굴림" charset="-127"/>
-              </a:defRPr>
-            </a:lvl2pPr>
-            <a:lvl3pPr marL="1143000" algn="l" defTabSz="762000" latinLnBrk="1">
-              <a:defRPr kumimoji="1" sz="2400">
-                <a:solidFill>
-                  <a:schemeClr val="tx1"/>
-                </a:solidFill>
-                <a:latin typeface="굴림" charset="-127"/>
-                <a:ea typeface="굴림" charset="-127"/>
-              </a:defRPr>
-            </a:lvl3pPr>
-            <a:lvl4pPr marL="1714500" algn="l" defTabSz="762000" latinLnBrk="1">
-              <a:defRPr kumimoji="1" sz="2400">
-                <a:solidFill>
-                  <a:schemeClr val="tx1"/>
-                </a:solidFill>
-                <a:latin typeface="굴림" charset="-127"/>
-                <a:ea typeface="굴림" charset="-127"/>
-              </a:defRPr>
-            </a:lvl4pPr>
-            <a:lvl5pPr marL="2286000" algn="l" defTabSz="762000" latinLnBrk="1">
-              <a:defRPr kumimoji="1" sz="2400">
-                <a:solidFill>
-                  <a:schemeClr val="tx1"/>
-                </a:solidFill>
-                <a:latin typeface="굴림" charset="-127"/>
-                <a:ea typeface="굴림" charset="-127"/>
-              </a:defRPr>
-            </a:lvl5pPr>
-            <a:lvl6pPr marL="2743200" defTabSz="762000" fontAlgn="base">
-              <a:spcBef>
-                <a:spcPct val="0"/>
-              </a:spcBef>
-              <a:spcAft>
-                <a:spcPct val="0"/>
-              </a:spcAft>
-              <a:defRPr kumimoji="1" sz="2400">
-                <a:solidFill>
-                  <a:schemeClr val="tx1"/>
-                </a:solidFill>
-                <a:latin typeface="굴림" charset="-127"/>
-                <a:ea typeface="굴림" charset="-127"/>
-              </a:defRPr>
-            </a:lvl6pPr>
-            <a:lvl7pPr marL="3200400" defTabSz="762000" fontAlgn="base">
-              <a:spcBef>
-                <a:spcPct val="0"/>
-              </a:spcBef>
-              <a:spcAft>
-                <a:spcPct val="0"/>
-              </a:spcAft>
-              <a:defRPr kumimoji="1" sz="2400">
-                <a:solidFill>
-                  <a:schemeClr val="tx1"/>
-                </a:solidFill>
-                <a:latin typeface="굴림" charset="-127"/>
-                <a:ea typeface="굴림" charset="-127"/>
-              </a:defRPr>
-            </a:lvl7pPr>
-            <a:lvl8pPr marL="3657600" defTabSz="762000" fontAlgn="base">
-              <a:spcBef>
-                <a:spcPct val="0"/>
-              </a:spcBef>
-              <a:spcAft>
-                <a:spcPct val="0"/>
-              </a:spcAft>
-              <a:defRPr kumimoji="1" sz="2400">
-                <a:solidFill>
-                  <a:schemeClr val="tx1"/>
-                </a:solidFill>
-                <a:latin typeface="굴림" charset="-127"/>
-                <a:ea typeface="굴림" charset="-127"/>
-              </a:defRPr>
-            </a:lvl8pPr>
-            <a:lvl9pPr marL="4114800" defTabSz="762000" fontAlgn="base">
-              <a:spcBef>
-                <a:spcPct val="0"/>
-              </a:spcBef>
-              <a:spcAft>
-                <a:spcPct val="0"/>
-              </a:spcAft>
-              <a:defRPr kumimoji="1" sz="2400">
-                <a:solidFill>
-                  <a:schemeClr val="tx1"/>
-                </a:solidFill>
-                <a:latin typeface="굴림" charset="-127"/>
-                <a:ea typeface="굴림" charset="-127"/>
-              </a:defRPr>
-            </a:lvl9pPr>
-          </a:lstStyle>
-          <a:p>
-            <a:pPr algn="ctr" eaLnBrk="1" latinLnBrk="0" hangingPunct="1">
-              <a:buNone/>
-            </a:pPr>
-            <a:r>
-              <a:rPr lang="en-US" altLang="ko-KR" sz="1200" b="1" dirty="0">
-                <a:latin typeface="+mn-ea"/>
-                <a:ea typeface="+mn-ea"/>
-              </a:rPr>
-              <a:t>Web Agent</a:t>
-            </a:r>
-            <a:endParaRPr lang="ko-KR" altLang="en-US" sz="1200" b="1" dirty="0">
-              <a:latin typeface="+mn-ea"/>
-              <a:ea typeface="+mn-ea"/>
-            </a:endParaRPr>
-          </a:p>
-        </p:txBody>
-      </p:sp>
-      <p:sp>
-        <p:nvSpPr>
-          <p:cNvPr id="5277" name="AutoShape 157"/>
-          <p:cNvSpPr>
-            <a:spLocks noChangeArrowheads="1"/>
-          </p:cNvSpPr>
-          <p:nvPr/>
-        </p:nvSpPr>
-        <p:spPr bwMode="auto">
-          <a:xfrm>
-            <a:off x="2580854" y="1052776"/>
-            <a:ext cx="2561647" cy="360000"/>
-          </a:xfrm>
-          <a:prstGeom prst="roundRect">
-            <a:avLst>
-              <a:gd name="adj" fmla="val 15806"/>
-            </a:avLst>
-          </a:prstGeom>
-          <a:solidFill>
-            <a:schemeClr val="bg2"/>
-          </a:solidFill>
-          <a:ln w="12699">
-            <a:solidFill>
-              <a:schemeClr val="tx1"/>
-            </a:solidFill>
-            <a:round/>
-            <a:headEnd/>
-            <a:tailEnd/>
-          </a:ln>
-          <a:effectLst>
-            <a:outerShdw dist="35921" dir="2700000" algn="ctr" rotWithShape="0">
-              <a:schemeClr val="tx1"/>
-            </a:outerShdw>
-          </a:effectLst>
-        </p:spPr>
-        <p:txBody>
-          <a:bodyPr wrap="none" lIns="92075" tIns="46038" rIns="92075" bIns="46038" anchor="ctr"/>
-          <a:lstStyle>
-            <a:lvl1pPr algn="l" defTabSz="762000" latinLnBrk="1">
-              <a:defRPr kumimoji="1" sz="2400">
-                <a:solidFill>
-                  <a:schemeClr val="tx1"/>
-                </a:solidFill>
-                <a:latin typeface="굴림" charset="-127"/>
-                <a:ea typeface="굴림" charset="-127"/>
-              </a:defRPr>
-            </a:lvl1pPr>
-            <a:lvl2pPr marL="571500" algn="l" defTabSz="762000" latinLnBrk="1">
-              <a:defRPr kumimoji="1" sz="2400">
-                <a:solidFill>
-                  <a:schemeClr val="tx1"/>
-                </a:solidFill>
-                <a:latin typeface="굴림" charset="-127"/>
-                <a:ea typeface="굴림" charset="-127"/>
-              </a:defRPr>
-            </a:lvl2pPr>
-            <a:lvl3pPr marL="1143000" algn="l" defTabSz="762000" latinLnBrk="1">
-              <a:defRPr kumimoji="1" sz="2400">
-                <a:solidFill>
-                  <a:schemeClr val="tx1"/>
-                </a:solidFill>
-                <a:latin typeface="굴림" charset="-127"/>
-                <a:ea typeface="굴림" charset="-127"/>
-              </a:defRPr>
-            </a:lvl3pPr>
-            <a:lvl4pPr marL="1714500" algn="l" defTabSz="762000" latinLnBrk="1">
-              <a:defRPr kumimoji="1" sz="2400">
-                <a:solidFill>
-                  <a:schemeClr val="tx1"/>
-                </a:solidFill>
-                <a:latin typeface="굴림" charset="-127"/>
-                <a:ea typeface="굴림" charset="-127"/>
-              </a:defRPr>
-            </a:lvl4pPr>
-            <a:lvl5pPr marL="2286000" algn="l" defTabSz="762000" latinLnBrk="1">
-              <a:defRPr kumimoji="1" sz="2400">
-                <a:solidFill>
-                  <a:schemeClr val="tx1"/>
-                </a:solidFill>
-                <a:latin typeface="굴림" charset="-127"/>
-                <a:ea typeface="굴림" charset="-127"/>
-              </a:defRPr>
-            </a:lvl5pPr>
-            <a:lvl6pPr marL="2743200" defTabSz="762000" fontAlgn="base">
-              <a:spcBef>
-                <a:spcPct val="0"/>
-              </a:spcBef>
-              <a:spcAft>
-                <a:spcPct val="0"/>
-              </a:spcAft>
-              <a:defRPr kumimoji="1" sz="2400">
-                <a:solidFill>
-                  <a:schemeClr val="tx1"/>
-                </a:solidFill>
-                <a:latin typeface="굴림" charset="-127"/>
-                <a:ea typeface="굴림" charset="-127"/>
-              </a:defRPr>
-            </a:lvl6pPr>
-            <a:lvl7pPr marL="3200400" defTabSz="762000" fontAlgn="base">
-              <a:spcBef>
-                <a:spcPct val="0"/>
-              </a:spcBef>
-              <a:spcAft>
-                <a:spcPct val="0"/>
-              </a:spcAft>
-              <a:defRPr kumimoji="1" sz="2400">
-                <a:solidFill>
-                  <a:schemeClr val="tx1"/>
-                </a:solidFill>
-                <a:latin typeface="굴림" charset="-127"/>
-                <a:ea typeface="굴림" charset="-127"/>
-              </a:defRPr>
-            </a:lvl7pPr>
-            <a:lvl8pPr marL="3657600" defTabSz="762000" fontAlgn="base">
-              <a:spcBef>
-                <a:spcPct val="0"/>
-              </a:spcBef>
-              <a:spcAft>
-                <a:spcPct val="0"/>
-              </a:spcAft>
-              <a:defRPr kumimoji="1" sz="2400">
-                <a:solidFill>
-                  <a:schemeClr val="tx1"/>
-                </a:solidFill>
-                <a:latin typeface="굴림" charset="-127"/>
-                <a:ea typeface="굴림" charset="-127"/>
-              </a:defRPr>
-            </a:lvl8pPr>
-            <a:lvl9pPr marL="4114800" defTabSz="762000" fontAlgn="base">
-              <a:spcBef>
-                <a:spcPct val="0"/>
-              </a:spcBef>
-              <a:spcAft>
-                <a:spcPct val="0"/>
-              </a:spcAft>
-              <a:defRPr kumimoji="1" sz="2400">
-                <a:solidFill>
-                  <a:schemeClr val="tx1"/>
-                </a:solidFill>
-                <a:latin typeface="굴림" charset="-127"/>
-                <a:ea typeface="굴림" charset="-127"/>
-              </a:defRPr>
-            </a:lvl9pPr>
-          </a:lstStyle>
-          <a:p>
-            <a:pPr algn="ctr" eaLnBrk="1" latinLnBrk="0" hangingPunct="1">
-              <a:buNone/>
-            </a:pPr>
-            <a:r>
-              <a:rPr lang="en-US" altLang="ko-KR" sz="1200" b="1" dirty="0">
-                <a:latin typeface="+mn-ea"/>
-                <a:ea typeface="+mn-ea"/>
-              </a:rPr>
-              <a:t>Angular(Node.js)</a:t>
-            </a:r>
-            <a:endParaRPr lang="ko-KR" altLang="en-US" sz="1200" b="1" dirty="0">
-              <a:latin typeface="+mn-ea"/>
-              <a:ea typeface="+mn-ea"/>
-            </a:endParaRPr>
-          </a:p>
-        </p:txBody>
-      </p:sp>
-      <p:sp>
-        <p:nvSpPr>
-          <p:cNvPr id="5278" name="AutoShape 158"/>
-          <p:cNvSpPr>
-            <a:spLocks noChangeArrowheads="1"/>
-          </p:cNvSpPr>
-          <p:nvPr/>
-        </p:nvSpPr>
-        <p:spPr bwMode="auto">
-          <a:xfrm>
-            <a:off x="5364088" y="1052776"/>
-            <a:ext cx="3424808" cy="360000"/>
-          </a:xfrm>
-          <a:prstGeom prst="roundRect">
-            <a:avLst>
-              <a:gd name="adj" fmla="val 15806"/>
-            </a:avLst>
-          </a:prstGeom>
-          <a:solidFill>
-            <a:schemeClr val="bg2"/>
-          </a:solidFill>
-          <a:ln w="12699">
-            <a:solidFill>
-              <a:schemeClr val="tx1"/>
-            </a:solidFill>
-            <a:round/>
-            <a:headEnd/>
-            <a:tailEnd/>
-          </a:ln>
-          <a:effectLst>
-            <a:outerShdw dist="35921" dir="2700000" algn="ctr" rotWithShape="0">
-              <a:schemeClr val="tx1"/>
-            </a:outerShdw>
-          </a:effectLst>
-        </p:spPr>
-        <p:txBody>
-          <a:bodyPr wrap="none" lIns="92075" tIns="46038" rIns="92075" bIns="46038" anchor="ctr"/>
-          <a:lstStyle>
-            <a:lvl1pPr algn="l" defTabSz="762000" latinLnBrk="1">
-              <a:defRPr kumimoji="1" sz="2400">
-                <a:solidFill>
-                  <a:schemeClr val="tx1"/>
-                </a:solidFill>
-                <a:latin typeface="굴림" charset="-127"/>
-                <a:ea typeface="굴림" charset="-127"/>
-              </a:defRPr>
-            </a:lvl1pPr>
-            <a:lvl2pPr marL="571500" algn="l" defTabSz="762000" latinLnBrk="1">
-              <a:defRPr kumimoji="1" sz="2400">
-                <a:solidFill>
-                  <a:schemeClr val="tx1"/>
-                </a:solidFill>
-                <a:latin typeface="굴림" charset="-127"/>
-                <a:ea typeface="굴림" charset="-127"/>
-              </a:defRPr>
-            </a:lvl2pPr>
-            <a:lvl3pPr marL="1143000" algn="l" defTabSz="762000" latinLnBrk="1">
-              <a:defRPr kumimoji="1" sz="2400">
-                <a:solidFill>
-                  <a:schemeClr val="tx1"/>
-                </a:solidFill>
-                <a:latin typeface="굴림" charset="-127"/>
-                <a:ea typeface="굴림" charset="-127"/>
-              </a:defRPr>
-            </a:lvl3pPr>
-            <a:lvl4pPr marL="1714500" algn="l" defTabSz="762000" latinLnBrk="1">
-              <a:defRPr kumimoji="1" sz="2400">
-                <a:solidFill>
-                  <a:schemeClr val="tx1"/>
-                </a:solidFill>
-                <a:latin typeface="굴림" charset="-127"/>
-                <a:ea typeface="굴림" charset="-127"/>
-              </a:defRPr>
-            </a:lvl4pPr>
-            <a:lvl5pPr marL="2286000" algn="l" defTabSz="762000" latinLnBrk="1">
-              <a:defRPr kumimoji="1" sz="2400">
-                <a:solidFill>
-                  <a:schemeClr val="tx1"/>
-                </a:solidFill>
-                <a:latin typeface="굴림" charset="-127"/>
-                <a:ea typeface="굴림" charset="-127"/>
-              </a:defRPr>
-            </a:lvl5pPr>
-            <a:lvl6pPr marL="2743200" defTabSz="762000" fontAlgn="base">
-              <a:spcBef>
-                <a:spcPct val="0"/>
-              </a:spcBef>
-              <a:spcAft>
-                <a:spcPct val="0"/>
-              </a:spcAft>
-              <a:defRPr kumimoji="1" sz="2400">
-                <a:solidFill>
-                  <a:schemeClr val="tx1"/>
-                </a:solidFill>
-                <a:latin typeface="굴림" charset="-127"/>
-                <a:ea typeface="굴림" charset="-127"/>
-              </a:defRPr>
-            </a:lvl6pPr>
-            <a:lvl7pPr marL="3200400" defTabSz="762000" fontAlgn="base">
-              <a:spcBef>
-                <a:spcPct val="0"/>
-              </a:spcBef>
-              <a:spcAft>
-                <a:spcPct val="0"/>
-              </a:spcAft>
-              <a:defRPr kumimoji="1" sz="2400">
-                <a:solidFill>
-                  <a:schemeClr val="tx1"/>
-                </a:solidFill>
-                <a:latin typeface="굴림" charset="-127"/>
-                <a:ea typeface="굴림" charset="-127"/>
-              </a:defRPr>
-            </a:lvl7pPr>
-            <a:lvl8pPr marL="3657600" defTabSz="762000" fontAlgn="base">
-              <a:spcBef>
-                <a:spcPct val="0"/>
-              </a:spcBef>
-              <a:spcAft>
-                <a:spcPct val="0"/>
-              </a:spcAft>
-              <a:defRPr kumimoji="1" sz="2400">
-                <a:solidFill>
-                  <a:schemeClr val="tx1"/>
-                </a:solidFill>
-                <a:latin typeface="굴림" charset="-127"/>
-                <a:ea typeface="굴림" charset="-127"/>
-              </a:defRPr>
-            </a:lvl8pPr>
-            <a:lvl9pPr marL="4114800" defTabSz="762000" fontAlgn="base">
-              <a:spcBef>
-                <a:spcPct val="0"/>
-              </a:spcBef>
-              <a:spcAft>
-                <a:spcPct val="0"/>
-              </a:spcAft>
-              <a:defRPr kumimoji="1" sz="2400">
-                <a:solidFill>
-                  <a:schemeClr val="tx1"/>
-                </a:solidFill>
-                <a:latin typeface="굴림" charset="-127"/>
-                <a:ea typeface="굴림" charset="-127"/>
-              </a:defRPr>
-            </a:lvl9pPr>
-          </a:lstStyle>
-          <a:p>
-            <a:pPr algn="ctr" eaLnBrk="1" latinLnBrk="0" hangingPunct="1">
-              <a:buNone/>
-            </a:pPr>
-            <a:r>
-              <a:rPr lang="en-US" altLang="ko-KR" sz="1200" b="1" dirty="0">
-                <a:latin typeface="+mn-ea"/>
-                <a:ea typeface="+mn-ea"/>
-              </a:rPr>
-              <a:t>Java Framework</a:t>
-            </a:r>
-            <a:endParaRPr lang="ko-KR" altLang="en-US" sz="1200" b="1" dirty="0">
-              <a:latin typeface="+mn-ea"/>
-              <a:ea typeface="+mn-ea"/>
-            </a:endParaRPr>
-          </a:p>
-        </p:txBody>
-      </p:sp>
-      <p:sp>
-        <p:nvSpPr>
           <p:cNvPr id="81" name="제목 1">
             <a:extLst>
               <a:ext uri="{FF2B5EF4-FFF2-40B4-BE49-F238E27FC236}">
@@ -4488,9 +4003,9 @@
         <p:grpSpPr>
           <a:xfrm>
             <a:off x="323529" y="476668"/>
-            <a:ext cx="2401110" cy="360804"/>
+            <a:ext cx="2534159" cy="360804"/>
             <a:chOff x="323529" y="476668"/>
-            <a:chExt cx="2401110" cy="360804"/>
+            <a:chExt cx="2534159" cy="360804"/>
           </a:xfrm>
         </p:grpSpPr>
         <p:sp>
@@ -4508,7 +4023,7 @@
           <p:spPr>
             <a:xfrm>
               <a:off x="611560" y="476668"/>
-              <a:ext cx="2113079" cy="360804"/>
+              <a:ext cx="2246128" cy="360804"/>
             </a:xfrm>
             <a:prstGeom prst="rect">
               <a:avLst/>
@@ -4525,11 +4040,18 @@
                 <a:buNone/>
               </a:pPr>
               <a:r>
+                <a:rPr lang="en-US" altLang="ko-KR" sz="1800" b="1" dirty="0">
+                  <a:latin typeface="+mn-ea"/>
+                  <a:ea typeface="+mn-ea"/>
+                </a:rPr>
+                <a:t>Component</a:t>
+              </a:r>
+              <a:r>
                 <a:rPr lang="ko-KR" altLang="en-US" sz="1800" b="1" dirty="0">
                   <a:latin typeface="+mn-ea"/>
                   <a:ea typeface="+mn-ea"/>
                 </a:rPr>
-                <a:t>통합시스템 구성도</a:t>
+                <a:t> 구성도</a:t>
               </a:r>
             </a:p>
           </p:txBody>
@@ -4582,10 +4104,1725 @@
           </p:spPr>
         </p:pic>
       </p:grpSp>
+      <p:pic>
+        <p:nvPicPr>
+          <p:cNvPr id="2" name="그림 1">
+            <a:extLst>
+              <a:ext uri="{FF2B5EF4-FFF2-40B4-BE49-F238E27FC236}">
+                <a16:creationId xmlns:a16="http://schemas.microsoft.com/office/drawing/2014/main" id="{B940D1BA-8E2C-494A-B068-B601F9F6EF36}"/>
+              </a:ext>
+            </a:extLst>
+          </p:cNvPr>
+          <p:cNvPicPr>
+            <a:picLocks noChangeAspect="1"/>
+          </p:cNvPicPr>
+          <p:nvPr/>
+        </p:nvPicPr>
+        <p:blipFill>
+          <a:blip r:embed="rId3"/>
+          <a:stretch>
+            <a:fillRect/>
+          </a:stretch>
+        </p:blipFill>
+        <p:spPr>
+          <a:xfrm>
+            <a:off x="574719" y="1268538"/>
+            <a:ext cx="4259020" cy="3834557"/>
+          </a:xfrm>
+          <a:prstGeom prst="rect">
+            <a:avLst/>
+          </a:prstGeom>
+        </p:spPr>
+      </p:pic>
+      <p:sp>
+        <p:nvSpPr>
+          <p:cNvPr id="41" name="직사각형 40">
+            <a:extLst>
+              <a:ext uri="{FF2B5EF4-FFF2-40B4-BE49-F238E27FC236}">
+                <a16:creationId xmlns:a16="http://schemas.microsoft.com/office/drawing/2014/main" id="{B287D827-BECC-4453-924F-9893BA903473}"/>
+              </a:ext>
+            </a:extLst>
+          </p:cNvPr>
+          <p:cNvSpPr/>
+          <p:nvPr/>
+        </p:nvSpPr>
+        <p:spPr bwMode="auto">
+          <a:xfrm>
+            <a:off x="506391" y="1248688"/>
+            <a:ext cx="4461063" cy="535246"/>
+          </a:xfrm>
+          <a:prstGeom prst="rect">
+            <a:avLst/>
+          </a:prstGeom>
+          <a:solidFill>
+            <a:srgbClr val="C00000">
+              <a:alpha val="10000"/>
+            </a:srgbClr>
+          </a:solidFill>
+          <a:ln w="12700">
+            <a:solidFill>
+              <a:srgbClr val="C00000"/>
+            </a:solidFill>
+            <a:miter lim="800000"/>
+            <a:headEnd/>
+            <a:tailEnd/>
+          </a:ln>
+          <a:effectLst/>
+        </p:spPr>
+        <p:txBody>
+          <a:bodyPr lIns="82550" tIns="41275" rIns="82550" bIns="41275" rtlCol="0" anchor="ctr"/>
+          <a:lstStyle/>
+          <a:p>
+            <a:pPr algn="ctr" defTabSz="739775">
+              <a:buNone/>
+            </a:pPr>
+            <a:endParaRPr lang="ko-KR" altLang="en-US" sz="800" dirty="0">
+              <a:latin typeface="+mn-ea"/>
+              <a:ea typeface="+mn-ea"/>
+            </a:endParaRPr>
+          </a:p>
+        </p:txBody>
+      </p:sp>
+      <p:sp>
+        <p:nvSpPr>
+          <p:cNvPr id="42" name="직사각형 41">
+            <a:extLst>
+              <a:ext uri="{FF2B5EF4-FFF2-40B4-BE49-F238E27FC236}">
+                <a16:creationId xmlns:a16="http://schemas.microsoft.com/office/drawing/2014/main" id="{9A03530B-A211-44E4-BF2E-B58D227A6853}"/>
+              </a:ext>
+            </a:extLst>
+          </p:cNvPr>
+          <p:cNvSpPr/>
+          <p:nvPr/>
+        </p:nvSpPr>
+        <p:spPr bwMode="auto">
+          <a:xfrm>
+            <a:off x="619560" y="1823309"/>
+            <a:ext cx="4214179" cy="3189868"/>
+          </a:xfrm>
+          <a:prstGeom prst="rect">
+            <a:avLst/>
+          </a:prstGeom>
+          <a:solidFill>
+            <a:srgbClr val="C00000">
+              <a:alpha val="10000"/>
+            </a:srgbClr>
+          </a:solidFill>
+          <a:ln w="12700">
+            <a:solidFill>
+              <a:srgbClr val="C00000"/>
+            </a:solidFill>
+            <a:miter lim="800000"/>
+            <a:headEnd/>
+            <a:tailEnd/>
+          </a:ln>
+          <a:effectLst/>
+        </p:spPr>
+        <p:txBody>
+          <a:bodyPr lIns="82550" tIns="41275" rIns="82550" bIns="41275" rtlCol="0" anchor="ctr"/>
+          <a:lstStyle/>
+          <a:p>
+            <a:pPr algn="ctr" defTabSz="739775">
+              <a:buNone/>
+            </a:pPr>
+            <a:endParaRPr lang="ko-KR" altLang="en-US" sz="800" dirty="0">
+              <a:latin typeface="+mn-ea"/>
+              <a:ea typeface="+mn-ea"/>
+            </a:endParaRPr>
+          </a:p>
+        </p:txBody>
+      </p:sp>
+      <p:sp>
+        <p:nvSpPr>
+          <p:cNvPr id="43" name="직사각형 42">
+            <a:extLst>
+              <a:ext uri="{FF2B5EF4-FFF2-40B4-BE49-F238E27FC236}">
+                <a16:creationId xmlns:a16="http://schemas.microsoft.com/office/drawing/2014/main" id="{5E928A0A-2004-4F85-8AAE-CB3873C5CD2C}"/>
+              </a:ext>
+            </a:extLst>
+          </p:cNvPr>
+          <p:cNvSpPr/>
+          <p:nvPr/>
+        </p:nvSpPr>
+        <p:spPr bwMode="auto">
+          <a:xfrm>
+            <a:off x="467544" y="1165617"/>
+            <a:ext cx="4643927" cy="4135591"/>
+          </a:xfrm>
+          <a:prstGeom prst="rect">
+            <a:avLst/>
+          </a:prstGeom>
+          <a:noFill/>
+          <a:ln w="12700">
+            <a:solidFill>
+              <a:schemeClr val="tx2">
+                <a:lumMod val="50000"/>
+              </a:schemeClr>
+            </a:solidFill>
+            <a:miter lim="800000"/>
+            <a:headEnd/>
+            <a:tailEnd/>
+          </a:ln>
+          <a:effectLst/>
+        </p:spPr>
+        <p:txBody>
+          <a:bodyPr lIns="82550" tIns="41275" rIns="82550" bIns="41275" rtlCol="0" anchor="ctr"/>
+          <a:lstStyle/>
+          <a:p>
+            <a:pPr algn="ctr" defTabSz="739775">
+              <a:buNone/>
+            </a:pPr>
+            <a:endParaRPr lang="ko-KR" altLang="en-US" sz="800" dirty="0">
+              <a:latin typeface="+mn-ea"/>
+              <a:ea typeface="+mn-ea"/>
+            </a:endParaRPr>
+          </a:p>
+        </p:txBody>
+      </p:sp>
+      <p:sp>
+        <p:nvSpPr>
+          <p:cNvPr id="45" name="TextBox 44">
+            <a:extLst>
+              <a:ext uri="{FF2B5EF4-FFF2-40B4-BE49-F238E27FC236}">
+                <a16:creationId xmlns:a16="http://schemas.microsoft.com/office/drawing/2014/main" id="{DCCDBDF7-68C1-4080-8EE2-EBCE7FD0E8AD}"/>
+              </a:ext>
+            </a:extLst>
+          </p:cNvPr>
+          <p:cNvSpPr txBox="1"/>
+          <p:nvPr/>
+        </p:nvSpPr>
+        <p:spPr>
+          <a:xfrm>
+            <a:off x="2591493" y="1919894"/>
+            <a:ext cx="1368965" cy="271293"/>
+          </a:xfrm>
+          <a:prstGeom prst="rect">
+            <a:avLst/>
+          </a:prstGeom>
+          <a:noFill/>
+        </p:spPr>
+        <p:txBody>
+          <a:bodyPr wrap="none" rtlCol="0">
+            <a:spAutoFit/>
+          </a:bodyPr>
+          <a:lstStyle/>
+          <a:p>
+            <a:pPr>
+              <a:buNone/>
+            </a:pPr>
+            <a:r>
+              <a:rPr lang="en-US" altLang="ko-KR" sz="1200" b="1" dirty="0">
+                <a:solidFill>
+                  <a:schemeClr val="tx2">
+                    <a:lumMod val="50000"/>
+                  </a:schemeClr>
+                </a:solidFill>
+                <a:latin typeface="맑은 고딕" panose="020B0503020000020004" pitchFamily="50" charset="-127"/>
+                <a:ea typeface="맑은 고딕" panose="020B0503020000020004" pitchFamily="50" charset="-127"/>
+              </a:rPr>
+              <a:t>app-product-list</a:t>
+            </a:r>
+            <a:endParaRPr lang="ko-KR" altLang="en-US" sz="1200" b="1" dirty="0">
+              <a:solidFill>
+                <a:schemeClr val="tx2">
+                  <a:lumMod val="50000"/>
+                </a:schemeClr>
+              </a:solidFill>
+              <a:latin typeface="맑은 고딕" panose="020B0503020000020004" pitchFamily="50" charset="-127"/>
+              <a:ea typeface="맑은 고딕" panose="020B0503020000020004" pitchFamily="50" charset="-127"/>
+            </a:endParaRPr>
+          </a:p>
+        </p:txBody>
+      </p:sp>
+      <p:sp>
+        <p:nvSpPr>
+          <p:cNvPr id="46" name="TextBox 45">
+            <a:extLst>
+              <a:ext uri="{FF2B5EF4-FFF2-40B4-BE49-F238E27FC236}">
+                <a16:creationId xmlns:a16="http://schemas.microsoft.com/office/drawing/2014/main" id="{613CEC5B-E6FA-4872-AAAF-8044FBE8400D}"/>
+              </a:ext>
+            </a:extLst>
+          </p:cNvPr>
+          <p:cNvSpPr txBox="1"/>
+          <p:nvPr/>
+        </p:nvSpPr>
+        <p:spPr>
+          <a:xfrm>
+            <a:off x="1907704" y="1380664"/>
+            <a:ext cx="1076641" cy="271293"/>
+          </a:xfrm>
+          <a:prstGeom prst="rect">
+            <a:avLst/>
+          </a:prstGeom>
+          <a:noFill/>
+        </p:spPr>
+        <p:txBody>
+          <a:bodyPr wrap="none" rtlCol="0">
+            <a:spAutoFit/>
+          </a:bodyPr>
+          <a:lstStyle/>
+          <a:p>
+            <a:pPr>
+              <a:buNone/>
+            </a:pPr>
+            <a:r>
+              <a:rPr lang="en-US" altLang="ko-KR" sz="1200" b="1" dirty="0">
+                <a:solidFill>
+                  <a:schemeClr val="tx2">
+                    <a:lumMod val="50000"/>
+                  </a:schemeClr>
+                </a:solidFill>
+                <a:latin typeface="맑은 고딕" panose="020B0503020000020004" pitchFamily="50" charset="-127"/>
+                <a:ea typeface="맑은 고딕" panose="020B0503020000020004" pitchFamily="50" charset="-127"/>
+              </a:rPr>
+              <a:t>app-top-bar</a:t>
+            </a:r>
+            <a:endParaRPr lang="ko-KR" altLang="en-US" sz="1200" b="1" dirty="0">
+              <a:solidFill>
+                <a:schemeClr val="tx2">
+                  <a:lumMod val="50000"/>
+                </a:schemeClr>
+              </a:solidFill>
+              <a:latin typeface="맑은 고딕" panose="020B0503020000020004" pitchFamily="50" charset="-127"/>
+              <a:ea typeface="맑은 고딕" panose="020B0503020000020004" pitchFamily="50" charset="-127"/>
+            </a:endParaRPr>
+          </a:p>
+        </p:txBody>
+      </p:sp>
+      <p:sp>
+        <p:nvSpPr>
+          <p:cNvPr id="48" name="TextBox 47">
+            <a:extLst>
+              <a:ext uri="{FF2B5EF4-FFF2-40B4-BE49-F238E27FC236}">
+                <a16:creationId xmlns:a16="http://schemas.microsoft.com/office/drawing/2014/main" id="{9CFC07ED-3D16-4BC2-A00A-AFC074A3B170}"/>
+              </a:ext>
+            </a:extLst>
+          </p:cNvPr>
+          <p:cNvSpPr txBox="1"/>
+          <p:nvPr/>
+        </p:nvSpPr>
+        <p:spPr>
+          <a:xfrm>
+            <a:off x="2441131" y="5029915"/>
+            <a:ext cx="833113" cy="271293"/>
+          </a:xfrm>
+          <a:prstGeom prst="rect">
+            <a:avLst/>
+          </a:prstGeom>
+          <a:noFill/>
+        </p:spPr>
+        <p:txBody>
+          <a:bodyPr wrap="none" rtlCol="0">
+            <a:spAutoFit/>
+          </a:bodyPr>
+          <a:lstStyle/>
+          <a:p>
+            <a:pPr>
+              <a:buNone/>
+            </a:pPr>
+            <a:r>
+              <a:rPr lang="en-US" altLang="ko-KR" sz="1200" b="1" dirty="0">
+                <a:solidFill>
+                  <a:schemeClr val="tx2">
+                    <a:lumMod val="50000"/>
+                  </a:schemeClr>
+                </a:solidFill>
+                <a:latin typeface="맑은 고딕" panose="020B0503020000020004" pitchFamily="50" charset="-127"/>
+                <a:ea typeface="맑은 고딕" panose="020B0503020000020004" pitchFamily="50" charset="-127"/>
+              </a:rPr>
+              <a:t>app-root</a:t>
+            </a:r>
+            <a:endParaRPr lang="ko-KR" altLang="en-US" sz="1200" b="1" dirty="0">
+              <a:solidFill>
+                <a:schemeClr val="tx2">
+                  <a:lumMod val="50000"/>
+                </a:schemeClr>
+              </a:solidFill>
+              <a:latin typeface="맑은 고딕" panose="020B0503020000020004" pitchFamily="50" charset="-127"/>
+              <a:ea typeface="맑은 고딕" panose="020B0503020000020004" pitchFamily="50" charset="-127"/>
+            </a:endParaRPr>
+          </a:p>
+        </p:txBody>
+      </p:sp>
     </p:spTree>
     <p:extLst>
       <p:ext uri="{BB962C8B-B14F-4D97-AF65-F5344CB8AC3E}">
-        <p14:creationId xmlns:p14="http://schemas.microsoft.com/office/powerpoint/2010/main" val="3123563354"/>
+        <p14:creationId xmlns:p14="http://schemas.microsoft.com/office/powerpoint/2010/main" val="3171085804"/>
+      </p:ext>
+    </p:extLst>
+  </p:cSld>
+  <p:clrMapOvr>
+    <a:masterClrMapping/>
+  </p:clrMapOvr>
+</p:sld>
+</file>
+
+<file path=ppt/slides/slide4.xml><?xml version="1.0" encoding="utf-8"?>
+<p:sld xmlns:a="http://schemas.openxmlformats.org/drawingml/2006/main" xmlns:r="http://schemas.openxmlformats.org/officeDocument/2006/relationships" xmlns:p="http://schemas.openxmlformats.org/presentationml/2006/main">
+  <p:cSld>
+    <p:spTree>
+      <p:nvGrpSpPr>
+        <p:cNvPr id="1" name=""/>
+        <p:cNvGrpSpPr/>
+        <p:nvPr/>
+      </p:nvGrpSpPr>
+      <p:grpSpPr>
+        <a:xfrm>
+          <a:off x="0" y="0"/>
+          <a:ext cx="0" cy="0"/>
+          <a:chOff x="0" y="0"/>
+          <a:chExt cx="0" cy="0"/>
+        </a:xfrm>
+      </p:grpSpPr>
+      <p:sp>
+        <p:nvSpPr>
+          <p:cNvPr id="81" name="제목 1">
+            <a:extLst>
+              <a:ext uri="{FF2B5EF4-FFF2-40B4-BE49-F238E27FC236}">
+                <a16:creationId xmlns:a16="http://schemas.microsoft.com/office/drawing/2014/main" id="{5D498620-A257-460A-A270-85F4DB825790}"/>
+              </a:ext>
+            </a:extLst>
+          </p:cNvPr>
+          <p:cNvSpPr txBox="1">
+            <a:spLocks/>
+          </p:cNvSpPr>
+          <p:nvPr/>
+        </p:nvSpPr>
+        <p:spPr>
+          <a:xfrm>
+            <a:off x="251520" y="51470"/>
+            <a:ext cx="3600400" cy="344490"/>
+          </a:xfrm>
+          <a:prstGeom prst="rect">
+            <a:avLst/>
+          </a:prstGeom>
+        </p:spPr>
+        <p:txBody>
+          <a:bodyPr vert="horz" lIns="91440" tIns="45720" rIns="91440" bIns="45720" rtlCol="0" anchor="ctr">
+            <a:noAutofit/>
+          </a:bodyPr>
+          <a:lstStyle>
+            <a:lvl1pPr algn="ctr" defTabSz="914400" rtl="0" eaLnBrk="1" latinLnBrk="1" hangingPunct="1">
+              <a:spcBef>
+                <a:spcPct val="0"/>
+              </a:spcBef>
+              <a:buNone/>
+              <a:defRPr sz="3600" b="1" kern="1200">
+                <a:solidFill>
+                  <a:schemeClr val="tx1"/>
+                </a:solidFill>
+                <a:latin typeface="Arial" pitchFamily="34" charset="0"/>
+                <a:ea typeface="+mj-ea"/>
+                <a:cs typeface="Arial" pitchFamily="34" charset="0"/>
+              </a:defRPr>
+            </a:lvl1pPr>
+          </a:lstStyle>
+          <a:p>
+            <a:pPr algn="l"/>
+            <a:r>
+              <a:rPr lang="en-US" altLang="ko-KR" sz="1600" dirty="0">
+                <a:solidFill>
+                  <a:schemeClr val="tx1">
+                    <a:lumMod val="85000"/>
+                    <a:lumOff val="15000"/>
+                  </a:schemeClr>
+                </a:solidFill>
+                <a:latin typeface="HY수평선M" panose="02030600000101010101" pitchFamily="18" charset="-127"/>
+                <a:ea typeface="HY수평선M" panose="02030600000101010101" pitchFamily="18" charset="-127"/>
+              </a:rPr>
+              <a:t>1. </a:t>
+            </a:r>
+            <a:r>
+              <a:rPr lang="ko-KR" altLang="en-US" sz="1600" dirty="0">
+                <a:solidFill>
+                  <a:schemeClr val="tx1">
+                    <a:lumMod val="85000"/>
+                    <a:lumOff val="15000"/>
+                  </a:schemeClr>
+                </a:solidFill>
+                <a:latin typeface="HY수평선M" panose="02030600000101010101" pitchFamily="18" charset="-127"/>
+                <a:ea typeface="HY수평선M" panose="02030600000101010101" pitchFamily="18" charset="-127"/>
+              </a:rPr>
+              <a:t>시스템 소개</a:t>
+            </a:r>
+            <a:endParaRPr lang="ko-KR" altLang="en-US" sz="1600" dirty="0">
+              <a:solidFill>
+                <a:schemeClr val="tx1">
+                  <a:lumMod val="85000"/>
+                  <a:lumOff val="15000"/>
+                </a:schemeClr>
+              </a:solidFill>
+            </a:endParaRPr>
+          </a:p>
+        </p:txBody>
+      </p:sp>
+      <p:grpSp>
+        <p:nvGrpSpPr>
+          <p:cNvPr id="82" name="그룹 81"/>
+          <p:cNvGrpSpPr/>
+          <p:nvPr/>
+        </p:nvGrpSpPr>
+        <p:grpSpPr>
+          <a:xfrm>
+            <a:off x="323529" y="476668"/>
+            <a:ext cx="2303326" cy="360804"/>
+            <a:chOff x="323529" y="476668"/>
+            <a:chExt cx="2303326" cy="360804"/>
+          </a:xfrm>
+        </p:grpSpPr>
+        <p:sp>
+          <p:nvSpPr>
+            <p:cNvPr id="83" name="TextBox 82">
+              <a:extLst>
+                <a:ext uri="{FF2B5EF4-FFF2-40B4-BE49-F238E27FC236}">
+                  <a16:creationId xmlns:a16="http://schemas.microsoft.com/office/drawing/2014/main" id="{1EF186F7-0184-408E-A834-04F27F9D3FDD}"/>
+                </a:ext>
+              </a:extLst>
+            </p:cNvPr>
+            <p:cNvSpPr txBox="1"/>
+            <p:nvPr/>
+          </p:nvSpPr>
+          <p:spPr>
+            <a:xfrm>
+              <a:off x="611560" y="476668"/>
+              <a:ext cx="2015295" cy="360804"/>
+            </a:xfrm>
+            <a:prstGeom prst="rect">
+              <a:avLst/>
+            </a:prstGeom>
+            <a:noFill/>
+          </p:spPr>
+          <p:txBody>
+            <a:bodyPr wrap="none" rtlCol="0">
+              <a:spAutoFit/>
+            </a:bodyPr>
+            <a:lstStyle/>
+            <a:p>
+              <a:pPr>
+                <a:buNone/>
+              </a:pPr>
+              <a:r>
+                <a:rPr lang="en-US" altLang="ko-KR" sz="1800" b="1" dirty="0">
+                  <a:latin typeface="+mn-ea"/>
+                  <a:ea typeface="+mn-ea"/>
+                </a:rPr>
+                <a:t>Component</a:t>
+              </a:r>
+              <a:r>
+                <a:rPr lang="ko-KR" altLang="en-US" sz="1800" b="1" dirty="0">
+                  <a:latin typeface="+mn-ea"/>
+                  <a:ea typeface="+mn-ea"/>
+                </a:rPr>
+                <a:t> 구성</a:t>
+              </a:r>
+            </a:p>
+          </p:txBody>
+        </p:sp>
+        <p:pic>
+          <p:nvPicPr>
+            <p:cNvPr id="84" name="Picture 2" descr="information icon png에 대한 이미지 검색결과">
+              <a:extLst>
+                <a:ext uri="{FF2B5EF4-FFF2-40B4-BE49-F238E27FC236}">
+                  <a16:creationId xmlns:a16="http://schemas.microsoft.com/office/drawing/2014/main" id="{91433C87-0257-49D8-B7A8-72693079F4CE}"/>
+                </a:ext>
+              </a:extLst>
+            </p:cNvPr>
+            <p:cNvPicPr>
+              <a:picLocks noChangeAspect="1" noChangeArrowheads="1"/>
+            </p:cNvPicPr>
+            <p:nvPr/>
+          </p:nvPicPr>
+          <p:blipFill>
+            <a:blip r:embed="rId2" cstate="print">
+              <a:extLst>
+                <a:ext uri="{28A0092B-C50C-407E-A947-70E740481C1C}">
+                  <a14:useLocalDpi xmlns:a14="http://schemas.microsoft.com/office/drawing/2010/main" val="0"/>
+                </a:ext>
+              </a:extLst>
+            </a:blip>
+            <a:srcRect/>
+            <a:stretch>
+              <a:fillRect/>
+            </a:stretch>
+          </p:blipFill>
+          <p:spPr bwMode="auto">
+            <a:xfrm flipV="1">
+              <a:off x="323529" y="506937"/>
+              <a:ext cx="288032" cy="290141"/>
+            </a:xfrm>
+            <a:prstGeom prst="rect">
+              <a:avLst/>
+            </a:prstGeom>
+            <a:noFill/>
+            <a:extLst>
+              <a:ext uri="{909E8E84-426E-40DD-AFC4-6F175D3DCCD1}">
+                <a14:hiddenFill xmlns:a14="http://schemas.microsoft.com/office/drawing/2010/main">
+                  <a:solidFill>
+                    <a:srgbClr val="FFFFFF"/>
+                  </a:solidFill>
+                </a14:hiddenFill>
+              </a:ext>
+            </a:extLst>
+          </p:spPr>
+        </p:pic>
+      </p:grpSp>
+      <p:pic>
+        <p:nvPicPr>
+          <p:cNvPr id="3" name="그림 2">
+            <a:extLst>
+              <a:ext uri="{FF2B5EF4-FFF2-40B4-BE49-F238E27FC236}">
+                <a16:creationId xmlns:a16="http://schemas.microsoft.com/office/drawing/2014/main" id="{3F2EEF22-7225-496B-8A85-60734A79D36B}"/>
+              </a:ext>
+            </a:extLst>
+          </p:cNvPr>
+          <p:cNvPicPr>
+            <a:picLocks noChangeAspect="1"/>
+          </p:cNvPicPr>
+          <p:nvPr/>
+        </p:nvPicPr>
+        <p:blipFill>
+          <a:blip r:embed="rId3"/>
+          <a:stretch>
+            <a:fillRect/>
+          </a:stretch>
+        </p:blipFill>
+        <p:spPr>
+          <a:xfrm>
+            <a:off x="395288" y="1052513"/>
+            <a:ext cx="4391025" cy="4019550"/>
+          </a:xfrm>
+          <a:prstGeom prst="rect">
+            <a:avLst/>
+          </a:prstGeom>
+        </p:spPr>
+      </p:pic>
+      <p:sp>
+        <p:nvSpPr>
+          <p:cNvPr id="14" name="직사각형 13">
+            <a:extLst>
+              <a:ext uri="{FF2B5EF4-FFF2-40B4-BE49-F238E27FC236}">
+                <a16:creationId xmlns:a16="http://schemas.microsoft.com/office/drawing/2014/main" id="{2C74888A-5874-4AED-9547-E048E03564FB}"/>
+              </a:ext>
+            </a:extLst>
+          </p:cNvPr>
+          <p:cNvSpPr/>
+          <p:nvPr/>
+        </p:nvSpPr>
+        <p:spPr bwMode="auto">
+          <a:xfrm>
+            <a:off x="467543" y="1092907"/>
+            <a:ext cx="3672407" cy="915536"/>
+          </a:xfrm>
+          <a:prstGeom prst="rect">
+            <a:avLst/>
+          </a:prstGeom>
+          <a:solidFill>
+            <a:srgbClr val="C00000">
+              <a:alpha val="10000"/>
+            </a:srgbClr>
+          </a:solidFill>
+          <a:ln w="12700">
+            <a:solidFill>
+              <a:srgbClr val="C00000"/>
+            </a:solidFill>
+            <a:miter lim="800000"/>
+            <a:headEnd/>
+            <a:tailEnd/>
+          </a:ln>
+          <a:effectLst/>
+        </p:spPr>
+        <p:txBody>
+          <a:bodyPr lIns="82550" tIns="41275" rIns="82550" bIns="41275" rtlCol="0" anchor="ctr"/>
+          <a:lstStyle/>
+          <a:p>
+            <a:pPr algn="ctr" defTabSz="739775">
+              <a:buNone/>
+            </a:pPr>
+            <a:endParaRPr lang="ko-KR" altLang="en-US" sz="800" dirty="0">
+              <a:latin typeface="+mn-ea"/>
+              <a:ea typeface="+mn-ea"/>
+            </a:endParaRPr>
+          </a:p>
+        </p:txBody>
+      </p:sp>
+      <p:sp>
+        <p:nvSpPr>
+          <p:cNvPr id="16" name="TextBox 15">
+            <a:extLst>
+              <a:ext uri="{FF2B5EF4-FFF2-40B4-BE49-F238E27FC236}">
+                <a16:creationId xmlns:a16="http://schemas.microsoft.com/office/drawing/2014/main" id="{708B284E-AA2A-42E7-80CB-5DEA142CF3CA}"/>
+              </a:ext>
+            </a:extLst>
+          </p:cNvPr>
+          <p:cNvSpPr txBox="1"/>
+          <p:nvPr/>
+        </p:nvSpPr>
+        <p:spPr>
+          <a:xfrm>
+            <a:off x="4971794" y="1210407"/>
+            <a:ext cx="3792879" cy="787780"/>
+          </a:xfrm>
+          <a:prstGeom prst="rect">
+            <a:avLst/>
+          </a:prstGeom>
+          <a:noFill/>
+          <a:ln w="12700">
+            <a:solidFill>
+              <a:schemeClr val="tx2"/>
+            </a:solidFill>
+          </a:ln>
+        </p:spPr>
+        <p:txBody>
+          <a:bodyPr wrap="square" rtlCol="0">
+            <a:spAutoFit/>
+          </a:bodyPr>
+          <a:lstStyle/>
+          <a:p>
+            <a:pPr algn="l">
+              <a:buNone/>
+            </a:pPr>
+            <a:r>
+              <a:rPr lang="en-US" altLang="ko-KR" sz="1000" b="1" dirty="0">
+                <a:solidFill>
+                  <a:schemeClr val="tx2">
+                    <a:lumMod val="50000"/>
+                  </a:schemeClr>
+                </a:solidFill>
+                <a:latin typeface="맑은 고딕" panose="020B0503020000020004" pitchFamily="50" charset="-127"/>
+                <a:ea typeface="맑은 고딕" panose="020B0503020000020004" pitchFamily="50" charset="-127"/>
+              </a:rPr>
+              <a:t>@Component Decorator</a:t>
+            </a:r>
+            <a:r>
+              <a:rPr lang="ko-KR" altLang="en-US" sz="1000" b="1" dirty="0">
+                <a:solidFill>
+                  <a:schemeClr val="tx2">
+                    <a:lumMod val="50000"/>
+                  </a:schemeClr>
+                </a:solidFill>
+                <a:latin typeface="맑은 고딕" panose="020B0503020000020004" pitchFamily="50" charset="-127"/>
+                <a:ea typeface="맑은 고딕" panose="020B0503020000020004" pitchFamily="50" charset="-127"/>
+              </a:rPr>
+              <a:t>는 </a:t>
+            </a:r>
+            <a:r>
+              <a:rPr lang="en-US" altLang="ko-KR" sz="1000" b="1" dirty="0">
+                <a:solidFill>
+                  <a:schemeClr val="tx2">
+                    <a:lumMod val="50000"/>
+                  </a:schemeClr>
+                </a:solidFill>
+                <a:latin typeface="맑은 고딕" panose="020B0503020000020004" pitchFamily="50" charset="-127"/>
+                <a:ea typeface="맑은 고딕" panose="020B0503020000020004" pitchFamily="50" charset="-127"/>
+              </a:rPr>
+              <a:t>Component</a:t>
+            </a:r>
+            <a:r>
+              <a:rPr lang="ko-KR" altLang="en-US" sz="1000" b="1" dirty="0">
+                <a:solidFill>
+                  <a:schemeClr val="tx2">
+                    <a:lumMod val="50000"/>
+                  </a:schemeClr>
+                </a:solidFill>
+                <a:latin typeface="맑은 고딕" panose="020B0503020000020004" pitchFamily="50" charset="-127"/>
+                <a:ea typeface="맑은 고딕" panose="020B0503020000020004" pitchFamily="50" charset="-127"/>
+              </a:rPr>
+              <a:t>의 </a:t>
+            </a:r>
+            <a:r>
+              <a:rPr lang="en-US" altLang="ko-KR" sz="1000" b="1" dirty="0">
+                <a:solidFill>
+                  <a:schemeClr val="tx2">
+                    <a:lumMod val="50000"/>
+                  </a:schemeClr>
+                </a:solidFill>
+                <a:latin typeface="맑은 고딕" panose="020B0503020000020004" pitchFamily="50" charset="-127"/>
+                <a:ea typeface="맑은 고딕" panose="020B0503020000020004" pitchFamily="50" charset="-127"/>
+              </a:rPr>
+              <a:t>Angular </a:t>
+            </a:r>
+            <a:r>
+              <a:rPr lang="ko-KR" altLang="en-US" sz="1000" b="1" dirty="0">
+                <a:solidFill>
+                  <a:schemeClr val="tx2">
+                    <a:lumMod val="50000"/>
+                  </a:schemeClr>
+                </a:solidFill>
+                <a:latin typeface="맑은 고딕" panose="020B0503020000020004" pitchFamily="50" charset="-127"/>
+                <a:ea typeface="맑은 고딕" panose="020B0503020000020004" pitchFamily="50" charset="-127"/>
+              </a:rPr>
+              <a:t>메타 데이터를 제공합니다</a:t>
+            </a:r>
+            <a:r>
+              <a:rPr lang="en-US" altLang="ko-KR" sz="1000" b="1" dirty="0">
+                <a:solidFill>
+                  <a:schemeClr val="tx2">
+                    <a:lumMod val="50000"/>
+                  </a:schemeClr>
+                </a:solidFill>
+                <a:latin typeface="맑은 고딕" panose="020B0503020000020004" pitchFamily="50" charset="-127"/>
+                <a:ea typeface="맑은 고딕" panose="020B0503020000020004" pitchFamily="50" charset="-127"/>
+              </a:rPr>
+              <a:t>. </a:t>
+            </a:r>
+          </a:p>
+          <a:p>
+            <a:pPr algn="l">
+              <a:buNone/>
+            </a:pPr>
+            <a:r>
+              <a:rPr lang="en-US" altLang="ko-KR" sz="1000" b="1" dirty="0">
+                <a:solidFill>
+                  <a:schemeClr val="tx2">
+                    <a:lumMod val="50000"/>
+                  </a:schemeClr>
+                </a:solidFill>
+                <a:latin typeface="맑은 고딕" panose="020B0503020000020004" pitchFamily="50" charset="-127"/>
+                <a:ea typeface="맑은 고딕" panose="020B0503020000020004" pitchFamily="50" charset="-127"/>
+              </a:rPr>
+              <a:t>CSS </a:t>
+            </a:r>
+            <a:r>
+              <a:rPr lang="ko-KR" altLang="en-US" sz="1000" b="1" dirty="0">
+                <a:solidFill>
+                  <a:schemeClr val="tx2">
+                    <a:lumMod val="50000"/>
+                  </a:schemeClr>
+                </a:solidFill>
+                <a:latin typeface="맑은 고딕" panose="020B0503020000020004" pitchFamily="50" charset="-127"/>
+                <a:ea typeface="맑은 고딕" panose="020B0503020000020004" pitchFamily="50" charset="-127"/>
+              </a:rPr>
+              <a:t>선택 자 이름인 </a:t>
+            </a:r>
+            <a:r>
+              <a:rPr lang="en-US" altLang="ko-KR" sz="1000" b="1" dirty="0">
+                <a:solidFill>
+                  <a:schemeClr val="tx2">
+                    <a:lumMod val="50000"/>
+                  </a:schemeClr>
+                </a:solidFill>
+                <a:latin typeface="맑은 고딕" panose="020B0503020000020004" pitchFamily="50" charset="-127"/>
+                <a:ea typeface="맑은 고딕" panose="020B0503020000020004" pitchFamily="50" charset="-127"/>
+              </a:rPr>
+              <a:t>product-list</a:t>
+            </a:r>
+            <a:r>
+              <a:rPr lang="ko-KR" altLang="en-US" sz="1000" b="1" dirty="0">
+                <a:solidFill>
+                  <a:schemeClr val="tx2">
+                    <a:lumMod val="50000"/>
+                  </a:schemeClr>
+                </a:solidFill>
+                <a:latin typeface="맑은 고딕" panose="020B0503020000020004" pitchFamily="50" charset="-127"/>
+                <a:ea typeface="맑은 고딕" panose="020B0503020000020004" pitchFamily="50" charset="-127"/>
+              </a:rPr>
+              <a:t>는 상위 </a:t>
+            </a:r>
+            <a:r>
+              <a:rPr lang="en-US" altLang="ko-KR" sz="1000" b="1" dirty="0">
+                <a:solidFill>
+                  <a:schemeClr val="tx2">
+                    <a:lumMod val="50000"/>
+                  </a:schemeClr>
+                </a:solidFill>
+                <a:latin typeface="맑은 고딕" panose="020B0503020000020004" pitchFamily="50" charset="-127"/>
+                <a:ea typeface="맑은 고딕" panose="020B0503020000020004" pitchFamily="50" charset="-127"/>
+              </a:rPr>
+              <a:t>Component</a:t>
+            </a:r>
+            <a:r>
+              <a:rPr lang="ko-KR" altLang="en-US" sz="1000" b="1" dirty="0">
+                <a:solidFill>
+                  <a:schemeClr val="tx2">
+                    <a:lumMod val="50000"/>
+                  </a:schemeClr>
+                </a:solidFill>
+                <a:latin typeface="맑은 고딕" panose="020B0503020000020004" pitchFamily="50" charset="-127"/>
+                <a:ea typeface="맑은 고딕" panose="020B0503020000020004" pitchFamily="50" charset="-127"/>
+              </a:rPr>
+              <a:t>의 템플릿 내에서 이 </a:t>
+            </a:r>
+            <a:r>
+              <a:rPr lang="en-US" altLang="ko-KR" sz="1000" b="1" dirty="0">
+                <a:solidFill>
+                  <a:schemeClr val="tx2">
+                    <a:lumMod val="50000"/>
+                  </a:schemeClr>
+                </a:solidFill>
+                <a:latin typeface="맑은 고딕" panose="020B0503020000020004" pitchFamily="50" charset="-127"/>
+                <a:ea typeface="맑은 고딕" panose="020B0503020000020004" pitchFamily="50" charset="-127"/>
+              </a:rPr>
+              <a:t>Component</a:t>
+            </a:r>
+            <a:r>
+              <a:rPr lang="ko-KR" altLang="en-US" sz="1000" b="1" dirty="0">
+                <a:solidFill>
+                  <a:schemeClr val="tx2">
+                    <a:lumMod val="50000"/>
+                  </a:schemeClr>
+                </a:solidFill>
+                <a:latin typeface="맑은 고딕" panose="020B0503020000020004" pitchFamily="50" charset="-127"/>
+                <a:ea typeface="맑은 고딕" panose="020B0503020000020004" pitchFamily="50" charset="-127"/>
+              </a:rPr>
+              <a:t>를 식별하는 </a:t>
+            </a:r>
+            <a:r>
+              <a:rPr lang="en-US" altLang="ko-KR" sz="1000" b="1" dirty="0">
+                <a:solidFill>
+                  <a:schemeClr val="tx2">
+                    <a:lumMod val="50000"/>
+                  </a:schemeClr>
+                </a:solidFill>
+                <a:latin typeface="맑은 고딕" panose="020B0503020000020004" pitchFamily="50" charset="-127"/>
+                <a:ea typeface="맑은 고딕" panose="020B0503020000020004" pitchFamily="50" charset="-127"/>
+              </a:rPr>
+              <a:t>element tag</a:t>
+            </a:r>
+            <a:r>
+              <a:rPr lang="ko-KR" altLang="en-US" sz="1000" b="1" dirty="0">
+                <a:solidFill>
+                  <a:schemeClr val="tx2">
+                    <a:lumMod val="50000"/>
+                  </a:schemeClr>
+                </a:solidFill>
+                <a:latin typeface="맑은 고딕" panose="020B0503020000020004" pitchFamily="50" charset="-127"/>
+                <a:ea typeface="맑은 고딕" panose="020B0503020000020004" pitchFamily="50" charset="-127"/>
+              </a:rPr>
+              <a:t>와 일치합니다</a:t>
+            </a:r>
+            <a:r>
+              <a:rPr lang="en-US" altLang="ko-KR" sz="1000" b="1" dirty="0">
+                <a:solidFill>
+                  <a:schemeClr val="tx2">
+                    <a:lumMod val="50000"/>
+                  </a:schemeClr>
+                </a:solidFill>
+                <a:latin typeface="맑은 고딕" panose="020B0503020000020004" pitchFamily="50" charset="-127"/>
+                <a:ea typeface="맑은 고딕" panose="020B0503020000020004" pitchFamily="50" charset="-127"/>
+              </a:rPr>
+              <a:t>. </a:t>
+            </a:r>
+            <a:endParaRPr lang="ko-KR" altLang="en-US" sz="1000" b="1" dirty="0">
+              <a:solidFill>
+                <a:schemeClr val="tx2">
+                  <a:lumMod val="50000"/>
+                </a:schemeClr>
+              </a:solidFill>
+              <a:latin typeface="맑은 고딕" panose="020B0503020000020004" pitchFamily="50" charset="-127"/>
+              <a:ea typeface="맑은 고딕" panose="020B0503020000020004" pitchFamily="50" charset="-127"/>
+            </a:endParaRPr>
+          </a:p>
+        </p:txBody>
+      </p:sp>
+      <p:sp>
+        <p:nvSpPr>
+          <p:cNvPr id="17" name="화살표: 줄무늬가 있는 오른쪽 16">
+            <a:extLst>
+              <a:ext uri="{FF2B5EF4-FFF2-40B4-BE49-F238E27FC236}">
+                <a16:creationId xmlns:a16="http://schemas.microsoft.com/office/drawing/2014/main" id="{6E91D1B9-2307-4EC3-9733-3FCF1ABE9C5D}"/>
+              </a:ext>
+            </a:extLst>
+          </p:cNvPr>
+          <p:cNvSpPr/>
+          <p:nvPr/>
+        </p:nvSpPr>
+        <p:spPr bwMode="auto">
+          <a:xfrm>
+            <a:off x="4188171" y="1318063"/>
+            <a:ext cx="815881" cy="465224"/>
+          </a:xfrm>
+          <a:prstGeom prst="stripedRightArrow">
+            <a:avLst>
+              <a:gd name="adj1" fmla="val 55704"/>
+              <a:gd name="adj2" fmla="val 43359"/>
+            </a:avLst>
+          </a:prstGeom>
+          <a:solidFill>
+            <a:schemeClr val="bg1">
+              <a:alpha val="80000"/>
+            </a:schemeClr>
+          </a:solidFill>
+          <a:ln w="12700">
+            <a:solidFill>
+              <a:schemeClr val="tx1"/>
+            </a:solidFill>
+            <a:miter lim="800000"/>
+            <a:headEnd/>
+            <a:tailEnd/>
+          </a:ln>
+          <a:effectLst/>
+        </p:spPr>
+        <p:txBody>
+          <a:bodyPr lIns="82550" tIns="41275" rIns="82550" bIns="41275" rtlCol="0" anchor="ctr"/>
+          <a:lstStyle/>
+          <a:p>
+            <a:pPr algn="ctr" defTabSz="739775">
+              <a:buNone/>
+            </a:pPr>
+            <a:endParaRPr lang="ko-KR" altLang="en-US" sz="800" dirty="0">
+              <a:latin typeface="+mn-ea"/>
+              <a:ea typeface="+mn-ea"/>
+            </a:endParaRPr>
+          </a:p>
+        </p:txBody>
+      </p:sp>
+      <p:sp>
+        <p:nvSpPr>
+          <p:cNvPr id="18" name="직사각형 17">
+            <a:extLst>
+              <a:ext uri="{FF2B5EF4-FFF2-40B4-BE49-F238E27FC236}">
+                <a16:creationId xmlns:a16="http://schemas.microsoft.com/office/drawing/2014/main" id="{6B67F896-47D5-47A9-9171-A9D685F99ECD}"/>
+              </a:ext>
+            </a:extLst>
+          </p:cNvPr>
+          <p:cNvSpPr/>
+          <p:nvPr/>
+        </p:nvSpPr>
+        <p:spPr bwMode="auto">
+          <a:xfrm>
+            <a:off x="467544" y="2152442"/>
+            <a:ext cx="4104456" cy="287397"/>
+          </a:xfrm>
+          <a:prstGeom prst="rect">
+            <a:avLst/>
+          </a:prstGeom>
+          <a:solidFill>
+            <a:srgbClr val="C00000">
+              <a:alpha val="10000"/>
+            </a:srgbClr>
+          </a:solidFill>
+          <a:ln w="12700">
+            <a:solidFill>
+              <a:srgbClr val="C00000"/>
+            </a:solidFill>
+            <a:miter lim="800000"/>
+            <a:headEnd/>
+            <a:tailEnd/>
+          </a:ln>
+          <a:effectLst/>
+        </p:spPr>
+        <p:txBody>
+          <a:bodyPr lIns="82550" tIns="41275" rIns="82550" bIns="41275" rtlCol="0" anchor="ctr"/>
+          <a:lstStyle/>
+          <a:p>
+            <a:pPr algn="ctr" defTabSz="739775">
+              <a:buNone/>
+            </a:pPr>
+            <a:endParaRPr lang="ko-KR" altLang="en-US" sz="800" dirty="0">
+              <a:latin typeface="+mn-ea"/>
+              <a:ea typeface="+mn-ea"/>
+            </a:endParaRPr>
+          </a:p>
+        </p:txBody>
+      </p:sp>
+      <p:sp>
+        <p:nvSpPr>
+          <p:cNvPr id="19" name="화살표: 줄무늬가 있는 오른쪽 18">
+            <a:extLst>
+              <a:ext uri="{FF2B5EF4-FFF2-40B4-BE49-F238E27FC236}">
+                <a16:creationId xmlns:a16="http://schemas.microsoft.com/office/drawing/2014/main" id="{C89EBF45-E7CC-4AC0-A3A1-6FAA1EE6595D}"/>
+              </a:ext>
+            </a:extLst>
+          </p:cNvPr>
+          <p:cNvSpPr/>
+          <p:nvPr/>
+        </p:nvSpPr>
+        <p:spPr bwMode="auto">
+          <a:xfrm>
+            <a:off x="4604561" y="2132856"/>
+            <a:ext cx="367233" cy="333428"/>
+          </a:xfrm>
+          <a:prstGeom prst="stripedRightArrow">
+            <a:avLst>
+              <a:gd name="adj1" fmla="val 55704"/>
+              <a:gd name="adj2" fmla="val 43359"/>
+            </a:avLst>
+          </a:prstGeom>
+          <a:solidFill>
+            <a:schemeClr val="bg1">
+              <a:alpha val="80000"/>
+            </a:schemeClr>
+          </a:solidFill>
+          <a:ln w="12700">
+            <a:solidFill>
+              <a:schemeClr val="tx1"/>
+            </a:solidFill>
+            <a:miter lim="800000"/>
+            <a:headEnd/>
+            <a:tailEnd/>
+          </a:ln>
+          <a:effectLst/>
+        </p:spPr>
+        <p:txBody>
+          <a:bodyPr lIns="82550" tIns="41275" rIns="82550" bIns="41275" rtlCol="0" anchor="ctr"/>
+          <a:lstStyle/>
+          <a:p>
+            <a:pPr algn="ctr" defTabSz="739775">
+              <a:buNone/>
+            </a:pPr>
+            <a:endParaRPr lang="ko-KR" altLang="en-US" sz="800" dirty="0">
+              <a:latin typeface="+mn-ea"/>
+              <a:ea typeface="+mn-ea"/>
+            </a:endParaRPr>
+          </a:p>
+        </p:txBody>
+      </p:sp>
+      <p:sp>
+        <p:nvSpPr>
+          <p:cNvPr id="20" name="TextBox 19">
+            <a:extLst>
+              <a:ext uri="{FF2B5EF4-FFF2-40B4-BE49-F238E27FC236}">
+                <a16:creationId xmlns:a16="http://schemas.microsoft.com/office/drawing/2014/main" id="{8DCCF8B8-B4D3-47F8-BB7C-10765D6E04C3}"/>
+              </a:ext>
+            </a:extLst>
+          </p:cNvPr>
+          <p:cNvSpPr txBox="1"/>
+          <p:nvPr/>
+        </p:nvSpPr>
+        <p:spPr>
+          <a:xfrm>
+            <a:off x="5000588" y="2132856"/>
+            <a:ext cx="3727544" cy="403059"/>
+          </a:xfrm>
+          <a:prstGeom prst="rect">
+            <a:avLst/>
+          </a:prstGeom>
+          <a:noFill/>
+          <a:ln w="12700">
+            <a:solidFill>
+              <a:schemeClr val="tx2"/>
+            </a:solidFill>
+          </a:ln>
+        </p:spPr>
+        <p:txBody>
+          <a:bodyPr wrap="square" rtlCol="0">
+            <a:spAutoFit/>
+          </a:bodyPr>
+          <a:lstStyle/>
+          <a:p>
+            <a:pPr algn="l">
+              <a:buNone/>
+            </a:pPr>
+            <a:r>
+              <a:rPr lang="ko-KR" altLang="en-US" sz="1000" b="1" dirty="0">
+                <a:solidFill>
+                  <a:schemeClr val="tx2">
+                    <a:lumMod val="50000"/>
+                  </a:schemeClr>
+                </a:solidFill>
+                <a:latin typeface="맑은 고딕" panose="020B0503020000020004" pitchFamily="50" charset="-127"/>
+                <a:ea typeface="맑은 고딕" panose="020B0503020000020004" pitchFamily="50" charset="-127"/>
+              </a:rPr>
+              <a:t>컴포넌트 클래스는 항상 다른 곳에서 </a:t>
+            </a:r>
+            <a:r>
+              <a:rPr lang="en-US" altLang="ko-KR" sz="1000" b="1" dirty="0">
+                <a:solidFill>
+                  <a:schemeClr val="tx2">
+                    <a:lumMod val="50000"/>
+                  </a:schemeClr>
+                </a:solidFill>
+                <a:latin typeface="맑은 고딕" panose="020B0503020000020004" pitchFamily="50" charset="-127"/>
+                <a:ea typeface="맑은 고딕" panose="020B0503020000020004" pitchFamily="50" charset="-127"/>
+              </a:rPr>
+              <a:t>import</a:t>
+            </a:r>
+            <a:r>
+              <a:rPr lang="ko-KR" altLang="en-US" sz="1000" b="1" dirty="0">
+                <a:solidFill>
+                  <a:schemeClr val="tx2">
+                    <a:lumMod val="50000"/>
+                  </a:schemeClr>
+                </a:solidFill>
+                <a:latin typeface="맑은 고딕" panose="020B0503020000020004" pitchFamily="50" charset="-127"/>
+                <a:ea typeface="맑은 고딕" panose="020B0503020000020004" pitchFamily="50" charset="-127"/>
+              </a:rPr>
+              <a:t>하기 때문에 언제나 </a:t>
+            </a:r>
+            <a:r>
+              <a:rPr lang="en-US" altLang="ko-KR" sz="1000" b="1" dirty="0">
+                <a:solidFill>
+                  <a:schemeClr val="tx2">
+                    <a:lumMod val="50000"/>
+                  </a:schemeClr>
+                </a:solidFill>
+                <a:latin typeface="맑은 고딕" panose="020B0503020000020004" pitchFamily="50" charset="-127"/>
+                <a:ea typeface="맑은 고딕" panose="020B0503020000020004" pitchFamily="50" charset="-127"/>
+              </a:rPr>
+              <a:t>export</a:t>
+            </a:r>
+            <a:r>
+              <a:rPr lang="ko-KR" altLang="en-US" sz="1000" b="1" dirty="0">
+                <a:solidFill>
+                  <a:schemeClr val="tx2">
+                    <a:lumMod val="50000"/>
+                  </a:schemeClr>
+                </a:solidFill>
+                <a:latin typeface="맑은 고딕" panose="020B0503020000020004" pitchFamily="50" charset="-127"/>
+                <a:ea typeface="맑은 고딕" panose="020B0503020000020004" pitchFamily="50" charset="-127"/>
+              </a:rPr>
+              <a:t>해야 합니다</a:t>
+            </a:r>
+            <a:r>
+              <a:rPr lang="en-US" altLang="ko-KR" sz="1000" b="1" dirty="0">
+                <a:solidFill>
+                  <a:schemeClr val="tx2">
+                    <a:lumMod val="50000"/>
+                  </a:schemeClr>
+                </a:solidFill>
+                <a:latin typeface="맑은 고딕" panose="020B0503020000020004" pitchFamily="50" charset="-127"/>
+                <a:ea typeface="맑은 고딕" panose="020B0503020000020004" pitchFamily="50" charset="-127"/>
+              </a:rPr>
+              <a:t>.</a:t>
+            </a:r>
+            <a:endParaRPr lang="ko-KR" altLang="en-US" sz="1000" b="1" dirty="0">
+              <a:solidFill>
+                <a:schemeClr val="tx2">
+                  <a:lumMod val="50000"/>
+                </a:schemeClr>
+              </a:solidFill>
+              <a:latin typeface="맑은 고딕" panose="020B0503020000020004" pitchFamily="50" charset="-127"/>
+              <a:ea typeface="맑은 고딕" panose="020B0503020000020004" pitchFamily="50" charset="-127"/>
+            </a:endParaRPr>
+          </a:p>
+        </p:txBody>
+      </p:sp>
+      <p:sp>
+        <p:nvSpPr>
+          <p:cNvPr id="26" name="TextBox 25">
+            <a:extLst>
+              <a:ext uri="{FF2B5EF4-FFF2-40B4-BE49-F238E27FC236}">
+                <a16:creationId xmlns:a16="http://schemas.microsoft.com/office/drawing/2014/main" id="{B8987FA2-8162-4CC0-9AD5-78CC45F936B3}"/>
+              </a:ext>
+            </a:extLst>
+          </p:cNvPr>
+          <p:cNvSpPr txBox="1"/>
+          <p:nvPr/>
+        </p:nvSpPr>
+        <p:spPr>
+          <a:xfrm>
+            <a:off x="5020920" y="2644266"/>
+            <a:ext cx="3727544" cy="2872966"/>
+          </a:xfrm>
+          <a:prstGeom prst="rect">
+            <a:avLst/>
+          </a:prstGeom>
+          <a:noFill/>
+          <a:ln w="12700">
+            <a:solidFill>
+              <a:schemeClr val="tx2"/>
+            </a:solidFill>
+          </a:ln>
+        </p:spPr>
+        <p:txBody>
+          <a:bodyPr wrap="square" rtlCol="0">
+            <a:spAutoFit/>
+          </a:bodyPr>
+          <a:lstStyle/>
+          <a:p>
+            <a:pPr algn="l">
+              <a:buNone/>
+            </a:pPr>
+            <a:r>
+              <a:rPr lang="en-US" altLang="ko-KR" sz="1000" b="1" dirty="0">
+                <a:solidFill>
+                  <a:schemeClr val="tx2">
+                    <a:lumMod val="50000"/>
+                  </a:schemeClr>
+                </a:solidFill>
+                <a:latin typeface="맑은 고딕" panose="020B0503020000020004" pitchFamily="50" charset="-127"/>
+                <a:ea typeface="맑은 고딕" panose="020B0503020000020004" pitchFamily="50" charset="-127"/>
+              </a:rPr>
+              <a:t>constructor</a:t>
+            </a:r>
+            <a:r>
+              <a:rPr lang="ko-KR" altLang="en-US" sz="1000" b="1" dirty="0">
+                <a:solidFill>
+                  <a:schemeClr val="tx2">
+                    <a:lumMod val="50000"/>
+                  </a:schemeClr>
+                </a:solidFill>
+                <a:latin typeface="맑은 고딕" panose="020B0503020000020004" pitchFamily="50" charset="-127"/>
+                <a:ea typeface="맑은 고딕" panose="020B0503020000020004" pitchFamily="50" charset="-127"/>
+              </a:rPr>
+              <a:t>는 자바스크립트 엔진에 의해 초기화 되는데 타입스크립트에서는 </a:t>
+            </a:r>
+            <a:r>
+              <a:rPr lang="en-US" altLang="ko-KR" sz="1000" b="1" dirty="0">
+                <a:solidFill>
+                  <a:schemeClr val="tx2">
+                    <a:lumMod val="50000"/>
+                  </a:schemeClr>
+                </a:solidFill>
+                <a:latin typeface="맑은 고딕" panose="020B0503020000020004" pitchFamily="50" charset="-127"/>
+                <a:ea typeface="맑은 고딕" panose="020B0503020000020004" pitchFamily="50" charset="-127"/>
+              </a:rPr>
+              <a:t>Angular</a:t>
+            </a:r>
+            <a:r>
+              <a:rPr lang="ko-KR" altLang="en-US" sz="1000" b="1" dirty="0">
+                <a:solidFill>
+                  <a:schemeClr val="tx2">
+                    <a:lumMod val="50000"/>
+                  </a:schemeClr>
+                </a:solidFill>
+                <a:latin typeface="맑은 고딕" panose="020B0503020000020004" pitchFamily="50" charset="-127"/>
+                <a:ea typeface="맑은 고딕" panose="020B0503020000020004" pitchFamily="50" charset="-127"/>
+              </a:rPr>
+              <a:t>에 의존성이 어느 프로퍼티에 적용되는지 직접 지정 </a:t>
+            </a:r>
+            <a:r>
+              <a:rPr lang="ko-KR" altLang="en-US" sz="1000" b="1" dirty="0" err="1">
+                <a:solidFill>
+                  <a:schemeClr val="tx2">
+                    <a:lumMod val="50000"/>
+                  </a:schemeClr>
+                </a:solidFill>
+                <a:latin typeface="맑은 고딕" panose="020B0503020000020004" pitchFamily="50" charset="-127"/>
+                <a:ea typeface="맑은 고딕" panose="020B0503020000020004" pitchFamily="50" charset="-127"/>
+              </a:rPr>
+              <a:t>안하고도</a:t>
+            </a:r>
+            <a:r>
+              <a:rPr lang="ko-KR" altLang="en-US" sz="1000" b="1" dirty="0">
+                <a:solidFill>
+                  <a:schemeClr val="tx2">
+                    <a:lumMod val="50000"/>
+                  </a:schemeClr>
+                </a:solidFill>
+                <a:latin typeface="맑은 고딕" panose="020B0503020000020004" pitchFamily="50" charset="-127"/>
+                <a:ea typeface="맑은 고딕" panose="020B0503020000020004" pitchFamily="50" charset="-127"/>
+              </a:rPr>
+              <a:t> 사용할 수 있다</a:t>
+            </a:r>
+            <a:r>
+              <a:rPr lang="en-US" altLang="ko-KR" sz="1000" b="1" dirty="0">
+                <a:solidFill>
+                  <a:schemeClr val="tx2">
+                    <a:lumMod val="50000"/>
+                  </a:schemeClr>
+                </a:solidFill>
+                <a:latin typeface="맑은 고딕" panose="020B0503020000020004" pitchFamily="50" charset="-127"/>
+                <a:ea typeface="맑은 고딕" panose="020B0503020000020004" pitchFamily="50" charset="-127"/>
+              </a:rPr>
+              <a:t>.</a:t>
+            </a:r>
+          </a:p>
+          <a:p>
+            <a:pPr algn="l">
+              <a:buNone/>
+            </a:pPr>
+            <a:r>
+              <a:rPr lang="en-US" altLang="ko-KR" sz="1000" b="1" dirty="0">
+                <a:solidFill>
+                  <a:schemeClr val="tx2">
+                    <a:lumMod val="50000"/>
+                  </a:schemeClr>
+                </a:solidFill>
+                <a:latin typeface="맑은 고딕" panose="020B0503020000020004" pitchFamily="50" charset="-127"/>
+                <a:ea typeface="맑은 고딕" panose="020B0503020000020004" pitchFamily="50" charset="-127"/>
+              </a:rPr>
+              <a:t>constructor</a:t>
+            </a:r>
+            <a:r>
+              <a:rPr lang="ko-KR" altLang="en-US" sz="1000" b="1" dirty="0">
+                <a:solidFill>
+                  <a:schemeClr val="tx2">
+                    <a:lumMod val="50000"/>
+                  </a:schemeClr>
+                </a:solidFill>
+                <a:latin typeface="맑은 고딕" panose="020B0503020000020004" pitchFamily="50" charset="-127"/>
+                <a:ea typeface="맑은 고딕" panose="020B0503020000020004" pitchFamily="50" charset="-127"/>
+              </a:rPr>
+              <a:t>를 호출하는 주체가 </a:t>
+            </a:r>
+            <a:r>
+              <a:rPr lang="en-US" altLang="ko-KR" sz="1000" b="1" dirty="0">
+                <a:solidFill>
+                  <a:schemeClr val="tx2">
+                    <a:lumMod val="50000"/>
+                  </a:schemeClr>
+                </a:solidFill>
+                <a:latin typeface="맑은 고딕" panose="020B0503020000020004" pitchFamily="50" charset="-127"/>
+                <a:ea typeface="맑은 고딕" panose="020B0503020000020004" pitchFamily="50" charset="-127"/>
+              </a:rPr>
+              <a:t>Angular</a:t>
+            </a:r>
+            <a:r>
+              <a:rPr lang="ko-KR" altLang="en-US" sz="1000" b="1" dirty="0">
+                <a:solidFill>
+                  <a:schemeClr val="tx2">
+                    <a:lumMod val="50000"/>
+                  </a:schemeClr>
+                </a:solidFill>
+                <a:latin typeface="맑은 고딕" panose="020B0503020000020004" pitchFamily="50" charset="-127"/>
+                <a:ea typeface="맑은 고딕" panose="020B0503020000020004" pitchFamily="50" charset="-127"/>
+              </a:rPr>
+              <a:t>가 아닌 자바스크립트 엔진이라는 점이 중요하다</a:t>
+            </a:r>
+            <a:r>
+              <a:rPr lang="en-US" altLang="ko-KR" sz="1000" b="1" dirty="0">
+                <a:solidFill>
+                  <a:schemeClr val="tx2">
+                    <a:lumMod val="50000"/>
+                  </a:schemeClr>
+                </a:solidFill>
+                <a:latin typeface="맑은 고딕" panose="020B0503020000020004" pitchFamily="50" charset="-127"/>
+                <a:ea typeface="맑은 고딕" panose="020B0503020000020004" pitchFamily="50" charset="-127"/>
+              </a:rPr>
+              <a:t>.</a:t>
+            </a:r>
+          </a:p>
+          <a:p>
+            <a:pPr algn="l">
+              <a:buNone/>
+            </a:pPr>
+            <a:endParaRPr lang="en-US" altLang="ko-KR" sz="1000" b="1" dirty="0">
+              <a:solidFill>
+                <a:schemeClr val="tx2">
+                  <a:lumMod val="50000"/>
+                </a:schemeClr>
+              </a:solidFill>
+              <a:latin typeface="맑은 고딕" panose="020B0503020000020004" pitchFamily="50" charset="-127"/>
+              <a:ea typeface="맑은 고딕" panose="020B0503020000020004" pitchFamily="50" charset="-127"/>
+            </a:endParaRPr>
+          </a:p>
+          <a:p>
+            <a:pPr algn="l">
+              <a:buNone/>
+            </a:pPr>
+            <a:r>
+              <a:rPr lang="en-US" altLang="ko-KR" sz="1000" b="1" dirty="0" err="1">
+                <a:solidFill>
+                  <a:schemeClr val="tx2">
+                    <a:lumMod val="50000"/>
+                  </a:schemeClr>
+                </a:solidFill>
+                <a:latin typeface="맑은 고딕" panose="020B0503020000020004" pitchFamily="50" charset="-127"/>
+                <a:ea typeface="맑은 고딕" panose="020B0503020000020004" pitchFamily="50" charset="-127"/>
+              </a:rPr>
+              <a:t>ngOnInit</a:t>
+            </a:r>
+            <a:r>
+              <a:rPr lang="ko-KR" altLang="en-US" sz="1000" b="1" dirty="0">
+                <a:solidFill>
+                  <a:schemeClr val="tx2">
+                    <a:lumMod val="50000"/>
+                  </a:schemeClr>
+                </a:solidFill>
+                <a:latin typeface="맑은 고딕" panose="020B0503020000020004" pitchFamily="50" charset="-127"/>
+                <a:ea typeface="맑은 고딕" panose="020B0503020000020004" pitchFamily="50" charset="-127"/>
+              </a:rPr>
+              <a:t>은 순수하게 </a:t>
+            </a:r>
+            <a:r>
+              <a:rPr lang="en-US" altLang="ko-KR" sz="1000" b="1" dirty="0">
+                <a:solidFill>
+                  <a:schemeClr val="tx2">
+                    <a:lumMod val="50000"/>
+                  </a:schemeClr>
+                </a:solidFill>
+                <a:latin typeface="맑은 고딕" panose="020B0503020000020004" pitchFamily="50" charset="-127"/>
+                <a:ea typeface="맑은 고딕" panose="020B0503020000020004" pitchFamily="50" charset="-127"/>
+              </a:rPr>
+              <a:t>Angular</a:t>
+            </a:r>
+            <a:r>
+              <a:rPr lang="ko-KR" altLang="en-US" sz="1000" b="1" dirty="0">
+                <a:solidFill>
+                  <a:schemeClr val="tx2">
+                    <a:lumMod val="50000"/>
+                  </a:schemeClr>
+                </a:solidFill>
+                <a:latin typeface="맑은 고딕" panose="020B0503020000020004" pitchFamily="50" charset="-127"/>
+                <a:ea typeface="맑은 고딕" panose="020B0503020000020004" pitchFamily="50" charset="-127"/>
+              </a:rPr>
+              <a:t>가 컴포넌트 초기화를 완료했다는 점을 전달하기 위해 존재한다</a:t>
+            </a:r>
+            <a:r>
+              <a:rPr lang="en-US" altLang="ko-KR" sz="1000" b="1" dirty="0">
+                <a:solidFill>
+                  <a:schemeClr val="tx2">
+                    <a:lumMod val="50000"/>
+                  </a:schemeClr>
+                </a:solidFill>
+                <a:latin typeface="맑은 고딕" panose="020B0503020000020004" pitchFamily="50" charset="-127"/>
+                <a:ea typeface="맑은 고딕" panose="020B0503020000020004" pitchFamily="50" charset="-127"/>
+              </a:rPr>
+              <a:t>.</a:t>
+            </a:r>
+          </a:p>
+          <a:p>
+            <a:pPr algn="l">
+              <a:buNone/>
+            </a:pPr>
+            <a:r>
+              <a:rPr lang="ko-KR" altLang="en-US" sz="1000" b="1" dirty="0">
+                <a:solidFill>
+                  <a:schemeClr val="tx2">
+                    <a:lumMod val="50000"/>
+                  </a:schemeClr>
+                </a:solidFill>
+                <a:latin typeface="맑은 고딕" panose="020B0503020000020004" pitchFamily="50" charset="-127"/>
+                <a:ea typeface="맑은 고딕" panose="020B0503020000020004" pitchFamily="50" charset="-127"/>
+              </a:rPr>
+              <a:t>이 단계는 컴포넌트에 프로퍼티를 지정하고 첫 변경 감지가 되는 범위까지 포함되어 있다</a:t>
+            </a:r>
+            <a:r>
+              <a:rPr lang="en-US" altLang="ko-KR" sz="1000" b="1" dirty="0">
+                <a:solidFill>
+                  <a:schemeClr val="tx2">
+                    <a:lumMod val="50000"/>
+                  </a:schemeClr>
+                </a:solidFill>
+                <a:latin typeface="맑은 고딕" panose="020B0503020000020004" pitchFamily="50" charset="-127"/>
+                <a:ea typeface="맑은 고딕" panose="020B0503020000020004" pitchFamily="50" charset="-127"/>
+              </a:rPr>
+              <a:t>. @Input() </a:t>
+            </a:r>
+            <a:r>
+              <a:rPr lang="ko-KR" altLang="en-US" sz="1000" b="1" dirty="0" err="1">
+                <a:solidFill>
+                  <a:schemeClr val="tx2">
+                    <a:lumMod val="50000"/>
+                  </a:schemeClr>
+                </a:solidFill>
+                <a:latin typeface="맑은 고딕" panose="020B0503020000020004" pitchFamily="50" charset="-127"/>
+                <a:ea typeface="맑은 고딕" panose="020B0503020000020004" pitchFamily="50" charset="-127"/>
+              </a:rPr>
+              <a:t>데코레이터를</a:t>
+            </a:r>
+            <a:r>
+              <a:rPr lang="ko-KR" altLang="en-US" sz="1000" b="1" dirty="0">
+                <a:solidFill>
+                  <a:schemeClr val="tx2">
+                    <a:lumMod val="50000"/>
+                  </a:schemeClr>
+                </a:solidFill>
+                <a:latin typeface="맑은 고딕" panose="020B0503020000020004" pitchFamily="50" charset="-127"/>
+                <a:ea typeface="맑은 고딕" panose="020B0503020000020004" pitchFamily="50" charset="-127"/>
+              </a:rPr>
+              <a:t> 사용하는 경우를 예로 들 수 있다</a:t>
+            </a:r>
+            <a:r>
+              <a:rPr lang="en-US" altLang="ko-KR" sz="1000" b="1" dirty="0">
+                <a:solidFill>
+                  <a:schemeClr val="tx2">
+                    <a:lumMod val="50000"/>
+                  </a:schemeClr>
+                </a:solidFill>
+                <a:latin typeface="맑은 고딕" panose="020B0503020000020004" pitchFamily="50" charset="-127"/>
+                <a:ea typeface="맑은 고딕" panose="020B0503020000020004" pitchFamily="50" charset="-127"/>
+              </a:rPr>
+              <a:t>.</a:t>
+            </a:r>
+          </a:p>
+          <a:p>
+            <a:pPr algn="l">
+              <a:buNone/>
+            </a:pPr>
+            <a:endParaRPr lang="en-US" altLang="ko-KR" sz="1000" b="1" dirty="0">
+              <a:solidFill>
+                <a:schemeClr val="tx2">
+                  <a:lumMod val="50000"/>
+                </a:schemeClr>
+              </a:solidFill>
+              <a:latin typeface="맑은 고딕" panose="020B0503020000020004" pitchFamily="50" charset="-127"/>
+              <a:ea typeface="맑은 고딕" panose="020B0503020000020004" pitchFamily="50" charset="-127"/>
+            </a:endParaRPr>
+          </a:p>
+          <a:p>
+            <a:pPr algn="l">
+              <a:buNone/>
+            </a:pPr>
+            <a:r>
+              <a:rPr lang="en-US" altLang="ko-KR" sz="1000" b="1" dirty="0">
+                <a:solidFill>
+                  <a:schemeClr val="tx2">
+                    <a:lumMod val="50000"/>
+                  </a:schemeClr>
+                </a:solidFill>
+                <a:latin typeface="맑은 고딕" panose="020B0503020000020004" pitchFamily="50" charset="-127"/>
+                <a:ea typeface="맑은 고딕" panose="020B0503020000020004" pitchFamily="50" charset="-127"/>
+              </a:rPr>
+              <a:t>@Input() </a:t>
+            </a:r>
+            <a:r>
+              <a:rPr lang="ko-KR" altLang="en-US" sz="1000" b="1" dirty="0">
+                <a:solidFill>
+                  <a:schemeClr val="tx2">
+                    <a:lumMod val="50000"/>
+                  </a:schemeClr>
+                </a:solidFill>
+                <a:latin typeface="맑은 고딕" panose="020B0503020000020004" pitchFamily="50" charset="-127"/>
+                <a:ea typeface="맑은 고딕" panose="020B0503020000020004" pitchFamily="50" charset="-127"/>
+              </a:rPr>
+              <a:t>프로퍼티는 </a:t>
+            </a:r>
+            <a:r>
+              <a:rPr lang="en-US" altLang="ko-KR" sz="1000" b="1" dirty="0" err="1">
+                <a:solidFill>
+                  <a:schemeClr val="tx2">
+                    <a:lumMod val="50000"/>
+                  </a:schemeClr>
+                </a:solidFill>
+                <a:latin typeface="맑은 고딕" panose="020B0503020000020004" pitchFamily="50" charset="-127"/>
+                <a:ea typeface="맑은 고딕" panose="020B0503020000020004" pitchFamily="50" charset="-127"/>
+              </a:rPr>
+              <a:t>ngOnInit</a:t>
+            </a:r>
+            <a:r>
+              <a:rPr lang="en-US" altLang="ko-KR" sz="1000" b="1" dirty="0">
+                <a:solidFill>
+                  <a:schemeClr val="tx2">
+                    <a:lumMod val="50000"/>
+                  </a:schemeClr>
+                </a:solidFill>
+                <a:latin typeface="맑은 고딕" panose="020B0503020000020004" pitchFamily="50" charset="-127"/>
+                <a:ea typeface="맑은 고딕" panose="020B0503020000020004" pitchFamily="50" charset="-127"/>
+              </a:rPr>
+              <a:t> </a:t>
+            </a:r>
+            <a:r>
+              <a:rPr lang="ko-KR" altLang="en-US" sz="1000" b="1" dirty="0">
+                <a:solidFill>
+                  <a:schemeClr val="tx2">
+                    <a:lumMod val="50000"/>
+                  </a:schemeClr>
+                </a:solidFill>
+                <a:latin typeface="맑은 고딕" panose="020B0503020000020004" pitchFamily="50" charset="-127"/>
+                <a:ea typeface="맑은 고딕" panose="020B0503020000020004" pitchFamily="50" charset="-127"/>
+              </a:rPr>
+              <a:t>내에서 접근 가능하지만 </a:t>
+            </a:r>
+            <a:r>
+              <a:rPr lang="en-US" altLang="ko-KR" sz="1000" b="1" dirty="0">
+                <a:solidFill>
+                  <a:schemeClr val="tx2">
+                    <a:lumMod val="50000"/>
+                  </a:schemeClr>
+                </a:solidFill>
+                <a:latin typeface="맑은 고딕" panose="020B0503020000020004" pitchFamily="50" charset="-127"/>
+                <a:ea typeface="맑은 고딕" panose="020B0503020000020004" pitchFamily="50" charset="-127"/>
+              </a:rPr>
+              <a:t>constructor</a:t>
+            </a:r>
+            <a:r>
+              <a:rPr lang="ko-KR" altLang="en-US" sz="1000" b="1" dirty="0">
+                <a:solidFill>
+                  <a:schemeClr val="tx2">
+                    <a:lumMod val="50000"/>
+                  </a:schemeClr>
+                </a:solidFill>
+                <a:latin typeface="맑은 고딕" panose="020B0503020000020004" pitchFamily="50" charset="-127"/>
+                <a:ea typeface="맑은 고딕" panose="020B0503020000020004" pitchFamily="50" charset="-127"/>
+              </a:rPr>
+              <a:t>에서는 </a:t>
+            </a:r>
+            <a:r>
+              <a:rPr lang="en-US" altLang="ko-KR" sz="1000" b="1" dirty="0">
+                <a:solidFill>
+                  <a:schemeClr val="tx2">
+                    <a:lumMod val="50000"/>
+                  </a:schemeClr>
+                </a:solidFill>
+                <a:latin typeface="맑은 고딕" panose="020B0503020000020004" pitchFamily="50" charset="-127"/>
+                <a:ea typeface="맑은 고딕" panose="020B0503020000020004" pitchFamily="50" charset="-127"/>
+              </a:rPr>
+              <a:t>undefined</a:t>
+            </a:r>
+            <a:r>
+              <a:rPr lang="ko-KR" altLang="en-US" sz="1000" b="1" dirty="0">
+                <a:solidFill>
+                  <a:schemeClr val="tx2">
+                    <a:lumMod val="50000"/>
+                  </a:schemeClr>
+                </a:solidFill>
+                <a:latin typeface="맑은 고딕" panose="020B0503020000020004" pitchFamily="50" charset="-127"/>
+                <a:ea typeface="맑은 고딕" panose="020B0503020000020004" pitchFamily="50" charset="-127"/>
+              </a:rPr>
+              <a:t>를 반환하는 방식으로 디자인되어 있다</a:t>
+            </a:r>
+            <a:r>
+              <a:rPr lang="en-US" altLang="ko-KR" sz="1000" b="1" dirty="0">
+                <a:solidFill>
+                  <a:schemeClr val="tx2">
+                    <a:lumMod val="50000"/>
+                  </a:schemeClr>
+                </a:solidFill>
+                <a:latin typeface="맑은 고딕" panose="020B0503020000020004" pitchFamily="50" charset="-127"/>
+                <a:ea typeface="맑은 고딕" panose="020B0503020000020004" pitchFamily="50" charset="-127"/>
+              </a:rPr>
+              <a:t>.</a:t>
+            </a:r>
+            <a:endParaRPr lang="ko-KR" altLang="en-US" sz="1000" b="1" dirty="0">
+              <a:solidFill>
+                <a:schemeClr val="tx2">
+                  <a:lumMod val="50000"/>
+                </a:schemeClr>
+              </a:solidFill>
+              <a:latin typeface="맑은 고딕" panose="020B0503020000020004" pitchFamily="50" charset="-127"/>
+              <a:ea typeface="맑은 고딕" panose="020B0503020000020004" pitchFamily="50" charset="-127"/>
+            </a:endParaRPr>
+          </a:p>
+        </p:txBody>
+      </p:sp>
+      <p:sp>
+        <p:nvSpPr>
+          <p:cNvPr id="27" name="화살표: 줄무늬가 있는 오른쪽 26">
+            <a:extLst>
+              <a:ext uri="{FF2B5EF4-FFF2-40B4-BE49-F238E27FC236}">
+                <a16:creationId xmlns:a16="http://schemas.microsoft.com/office/drawing/2014/main" id="{85568FE5-B369-4601-B92E-CEAB3E164C6A}"/>
+              </a:ext>
+            </a:extLst>
+          </p:cNvPr>
+          <p:cNvSpPr/>
+          <p:nvPr/>
+        </p:nvSpPr>
+        <p:spPr bwMode="auto">
+          <a:xfrm>
+            <a:off x="3443979" y="3539768"/>
+            <a:ext cx="1527815" cy="609240"/>
+          </a:xfrm>
+          <a:prstGeom prst="stripedRightArrow">
+            <a:avLst>
+              <a:gd name="adj1" fmla="val 55704"/>
+              <a:gd name="adj2" fmla="val 43359"/>
+            </a:avLst>
+          </a:prstGeom>
+          <a:solidFill>
+            <a:schemeClr val="bg1">
+              <a:alpha val="80000"/>
+            </a:schemeClr>
+          </a:solidFill>
+          <a:ln w="12700">
+            <a:solidFill>
+              <a:schemeClr val="tx1"/>
+            </a:solidFill>
+            <a:miter lim="800000"/>
+            <a:headEnd/>
+            <a:tailEnd/>
+          </a:ln>
+          <a:effectLst/>
+        </p:spPr>
+        <p:txBody>
+          <a:bodyPr lIns="82550" tIns="41275" rIns="82550" bIns="41275" rtlCol="0" anchor="ctr"/>
+          <a:lstStyle/>
+          <a:p>
+            <a:pPr algn="ctr" defTabSz="739775">
+              <a:buNone/>
+            </a:pPr>
+            <a:endParaRPr lang="ko-KR" altLang="en-US" sz="800" dirty="0">
+              <a:latin typeface="+mn-ea"/>
+              <a:ea typeface="+mn-ea"/>
+            </a:endParaRPr>
+          </a:p>
+        </p:txBody>
+      </p:sp>
+    </p:spTree>
+    <p:extLst>
+      <p:ext uri="{BB962C8B-B14F-4D97-AF65-F5344CB8AC3E}">
+        <p14:creationId xmlns:p14="http://schemas.microsoft.com/office/powerpoint/2010/main" val="3331280740"/>
       </p:ext>
     </p:extLst>
   </p:cSld>
@@ -4875,27 +6112,14 @@
   </a:themeElements>
   <a:objectDefaults>
     <a:spDef>
-      <a:spPr bwMode="auto">
-        <a:solidFill>
-          <a:srgbClr val="0000FF">
-            <a:alpha val="8000"/>
-          </a:srgbClr>
-        </a:solidFill>
-        <a:ln w="12700">
-          <a:solidFill>
-            <a:schemeClr val="tx1"/>
-          </a:solidFill>
-          <a:miter lim="800000"/>
-          <a:headEnd/>
-          <a:tailEnd/>
-        </a:ln>
-        <a:effectLst/>
-      </a:spPr>
-      <a:bodyPr lIns="82550" tIns="41275" rIns="82550" bIns="41275" anchor="ctr"/>
+      <a:spPr/>
+      <a:bodyPr wrap="none">
+        <a:spAutoFit/>
+      </a:bodyPr>
       <a:lstStyle>
-        <a:defPPr defTabSz="739775">
+        <a:defPPr algn="l">
           <a:buNone/>
-          <a:defRPr sz="800" dirty="0" smtClean="0">
+          <a:defRPr sz="1000" dirty="0" err="1">
             <a:latin typeface="+mn-ea"/>
             <a:ea typeface="+mn-ea"/>
           </a:defRPr>
